--- a/material/Sinus und Kosinus.pptx
+++ b/material/Sinus und Kosinus.pptx
@@ -14,12 +14,12 @@
     <p:sldId id="259" r:id="rId5"/>
     <p:sldId id="260" r:id="rId6"/>
     <p:sldId id="261" r:id="rId7"/>
-    <p:sldId id="268" r:id="rId8"/>
-    <p:sldId id="263" r:id="rId9"/>
-    <p:sldId id="264" r:id="rId10"/>
-    <p:sldId id="262" r:id="rId11"/>
-    <p:sldId id="265" r:id="rId12"/>
-    <p:sldId id="267" r:id="rId13"/>
+    <p:sldId id="263" r:id="rId8"/>
+    <p:sldId id="264" r:id="rId9"/>
+    <p:sldId id="262" r:id="rId10"/>
+    <p:sldId id="265" r:id="rId11"/>
+    <p:sldId id="267" r:id="rId12"/>
+    <p:sldId id="268" r:id="rId13"/>
     <p:sldId id="266" r:id="rId14"/>
   </p:sldIdLst>
   <p:sldSz cx="12192000" cy="6858000"/>
@@ -520,14 +520,6 @@
           <a:bodyPr/>
           <a:lstStyle/>
           <a:p>
-            <a:r>
-              <a:rPr lang="de-DE" dirty="0"/>
-              <a:t>Robert von Chester – Arabist und Mathematiker</a:t>
-            </a:r>
-            <a:r>
-              <a:rPr lang="de-DE" baseline="0" dirty="0"/>
-              <a:t> – übersetzte mathematische Texte der Araber ins Lateinische</a:t>
-            </a:r>
             <a:endParaRPr lang="de-DE" dirty="0"/>
           </a:p>
         </p:txBody>
@@ -549,7 +541,7 @@
           <a:p>
             <a:fld id="{F6A79A97-5D62-4284-B58E-AE1E4D7142D2}" type="slidenum">
               <a:rPr lang="de-DE" smtClean="0"/>
-              <a:t>3</a:t>
+              <a:t>2</a:t>
             </a:fld>
             <a:endParaRPr lang="de-DE"/>
           </a:p>
@@ -558,7 +550,7 @@
     </p:spTree>
     <p:extLst>
       <p:ext uri="{BB962C8B-B14F-4D97-AF65-F5344CB8AC3E}">
-        <p14:creationId xmlns:p14="http://schemas.microsoft.com/office/powerpoint/2010/main" val="3174407242"/>
+        <p14:creationId xmlns:p14="http://schemas.microsoft.com/office/powerpoint/2010/main" val="3382222360"/>
       </p:ext>
     </p:extLst>
   </p:cSld>
@@ -569,6 +561,174 @@
 </file>
 
 <file path=ppt/notesSlides/notesSlide10.xml><?xml version="1.0" encoding="utf-8"?>
+<p:notes xmlns:a="http://schemas.openxmlformats.org/drawingml/2006/main" xmlns:r="http://schemas.openxmlformats.org/officeDocument/2006/relationships" xmlns:p="http://schemas.openxmlformats.org/presentationml/2006/main">
+  <p:cSld>
+    <p:spTree>
+      <p:nvGrpSpPr>
+        <p:cNvPr id="1" name=""/>
+        <p:cNvGrpSpPr/>
+        <p:nvPr/>
+      </p:nvGrpSpPr>
+      <p:grpSpPr>
+        <a:xfrm>
+          <a:off x="0" y="0"/>
+          <a:ext cx="0" cy="0"/>
+          <a:chOff x="0" y="0"/>
+          <a:chExt cx="0" cy="0"/>
+        </a:xfrm>
+      </p:grpSpPr>
+      <p:sp>
+        <p:nvSpPr>
+          <p:cNvPr id="2" name="Folienbildplatzhalter 1"/>
+          <p:cNvSpPr>
+            <a:spLocks noGrp="1" noRot="1" noChangeAspect="1"/>
+          </p:cNvSpPr>
+          <p:nvPr>
+            <p:ph type="sldImg"/>
+          </p:nvPr>
+        </p:nvSpPr>
+        <p:spPr/>
+      </p:sp>
+      <p:sp>
+        <p:nvSpPr>
+          <p:cNvPr id="3" name="Notizenplatzhalter 2"/>
+          <p:cNvSpPr>
+            <a:spLocks noGrp="1"/>
+          </p:cNvSpPr>
+          <p:nvPr>
+            <p:ph type="body" idx="1"/>
+          </p:nvPr>
+        </p:nvSpPr>
+        <p:spPr/>
+        <p:txBody>
+          <a:bodyPr/>
+          <a:lstStyle/>
+          <a:p>
+            <a:endParaRPr lang="de-DE" dirty="0"/>
+          </a:p>
+        </p:txBody>
+      </p:sp>
+      <p:sp>
+        <p:nvSpPr>
+          <p:cNvPr id="4" name="Foliennummernplatzhalter 3"/>
+          <p:cNvSpPr>
+            <a:spLocks noGrp="1"/>
+          </p:cNvSpPr>
+          <p:nvPr>
+            <p:ph type="sldNum" sz="quarter" idx="10"/>
+          </p:nvPr>
+        </p:nvSpPr>
+        <p:spPr/>
+        <p:txBody>
+          <a:bodyPr/>
+          <a:lstStyle/>
+          <a:p>
+            <a:fld id="{F6A79A97-5D62-4284-B58E-AE1E4D7142D2}" type="slidenum">
+              <a:rPr lang="de-DE" smtClean="0"/>
+              <a:t>11</a:t>
+            </a:fld>
+            <a:endParaRPr lang="de-DE"/>
+          </a:p>
+        </p:txBody>
+      </p:sp>
+    </p:spTree>
+    <p:extLst>
+      <p:ext uri="{BB962C8B-B14F-4D97-AF65-F5344CB8AC3E}">
+        <p14:creationId xmlns:p14="http://schemas.microsoft.com/office/powerpoint/2010/main" val="1726962930"/>
+      </p:ext>
+    </p:extLst>
+  </p:cSld>
+  <p:clrMapOvr>
+    <a:masterClrMapping/>
+  </p:clrMapOvr>
+</p:notes>
+</file>
+
+<file path=ppt/notesSlides/notesSlide11.xml><?xml version="1.0" encoding="utf-8"?>
+<p:notes xmlns:a="http://schemas.openxmlformats.org/drawingml/2006/main" xmlns:r="http://schemas.openxmlformats.org/officeDocument/2006/relationships" xmlns:p="http://schemas.openxmlformats.org/presentationml/2006/main">
+  <p:cSld>
+    <p:spTree>
+      <p:nvGrpSpPr>
+        <p:cNvPr id="1" name=""/>
+        <p:cNvGrpSpPr/>
+        <p:nvPr/>
+      </p:nvGrpSpPr>
+      <p:grpSpPr>
+        <a:xfrm>
+          <a:off x="0" y="0"/>
+          <a:ext cx="0" cy="0"/>
+          <a:chOff x="0" y="0"/>
+          <a:chExt cx="0" cy="0"/>
+        </a:xfrm>
+      </p:grpSpPr>
+      <p:sp>
+        <p:nvSpPr>
+          <p:cNvPr id="2" name="Folienbildplatzhalter 1"/>
+          <p:cNvSpPr>
+            <a:spLocks noGrp="1" noRot="1" noChangeAspect="1"/>
+          </p:cNvSpPr>
+          <p:nvPr>
+            <p:ph type="sldImg"/>
+          </p:nvPr>
+        </p:nvSpPr>
+        <p:spPr/>
+      </p:sp>
+      <p:sp>
+        <p:nvSpPr>
+          <p:cNvPr id="3" name="Notizenplatzhalter 2"/>
+          <p:cNvSpPr>
+            <a:spLocks noGrp="1"/>
+          </p:cNvSpPr>
+          <p:nvPr>
+            <p:ph type="body" idx="1"/>
+          </p:nvPr>
+        </p:nvSpPr>
+        <p:spPr/>
+        <p:txBody>
+          <a:bodyPr/>
+          <a:lstStyle/>
+          <a:p>
+            <a:endParaRPr lang="de-DE" dirty="0"/>
+          </a:p>
+        </p:txBody>
+      </p:sp>
+      <p:sp>
+        <p:nvSpPr>
+          <p:cNvPr id="4" name="Foliennummernplatzhalter 3"/>
+          <p:cNvSpPr>
+            <a:spLocks noGrp="1"/>
+          </p:cNvSpPr>
+          <p:nvPr>
+            <p:ph type="sldNum" sz="quarter" idx="10"/>
+          </p:nvPr>
+        </p:nvSpPr>
+        <p:spPr/>
+        <p:txBody>
+          <a:bodyPr/>
+          <a:lstStyle/>
+          <a:p>
+            <a:fld id="{F6A79A97-5D62-4284-B58E-AE1E4D7142D2}" type="slidenum">
+              <a:rPr lang="de-DE" smtClean="0"/>
+              <a:t>12</a:t>
+            </a:fld>
+            <a:endParaRPr lang="de-DE"/>
+          </a:p>
+        </p:txBody>
+      </p:sp>
+    </p:spTree>
+    <p:extLst>
+      <p:ext uri="{BB962C8B-B14F-4D97-AF65-F5344CB8AC3E}">
+        <p14:creationId xmlns:p14="http://schemas.microsoft.com/office/powerpoint/2010/main" val="1516715541"/>
+      </p:ext>
+    </p:extLst>
+  </p:cSld>
+  <p:clrMapOvr>
+    <a:masterClrMapping/>
+  </p:clrMapOvr>
+</p:notes>
+</file>
+
+<file path=ppt/notesSlides/notesSlide12.xml><?xml version="1.0" encoding="utf-8"?>
 <p:notes xmlns:a="http://schemas.openxmlformats.org/drawingml/2006/main" xmlns:r="http://schemas.openxmlformats.org/officeDocument/2006/relationships" xmlns:p="http://schemas.openxmlformats.org/presentationml/2006/main">
   <p:cSld>
     <p:spTree>
@@ -696,6 +856,14 @@
           <a:bodyPr/>
           <a:lstStyle/>
           <a:p>
+            <a:r>
+              <a:rPr lang="de-DE" dirty="0"/>
+              <a:t>Robert von Chester – Arabist und Mathematiker</a:t>
+            </a:r>
+            <a:r>
+              <a:rPr lang="de-DE" baseline="0" dirty="0"/>
+              <a:t> – übersetzte mathematische Texte der Araber ins Lateinische</a:t>
+            </a:r>
             <a:endParaRPr lang="de-DE" dirty="0"/>
           </a:p>
         </p:txBody>
@@ -717,7 +885,7 @@
           <a:p>
             <a:fld id="{F6A79A97-5D62-4284-B58E-AE1E4D7142D2}" type="slidenum">
               <a:rPr lang="de-DE" smtClean="0"/>
-              <a:t>4</a:t>
+              <a:t>3</a:t>
             </a:fld>
             <a:endParaRPr lang="de-DE"/>
           </a:p>
@@ -726,7 +894,7 @@
     </p:spTree>
     <p:extLst>
       <p:ext uri="{BB962C8B-B14F-4D97-AF65-F5344CB8AC3E}">
-        <p14:creationId xmlns:p14="http://schemas.microsoft.com/office/powerpoint/2010/main" val="1570366047"/>
+        <p14:creationId xmlns:p14="http://schemas.microsoft.com/office/powerpoint/2010/main" val="3174407242"/>
       </p:ext>
     </p:extLst>
   </p:cSld>
@@ -801,7 +969,7 @@
           <a:p>
             <a:fld id="{F6A79A97-5D62-4284-B58E-AE1E4D7142D2}" type="slidenum">
               <a:rPr lang="de-DE" smtClean="0"/>
-              <a:t>5</a:t>
+              <a:t>4</a:t>
             </a:fld>
             <a:endParaRPr lang="de-DE"/>
           </a:p>
@@ -810,7 +978,7 @@
     </p:spTree>
     <p:extLst>
       <p:ext uri="{BB962C8B-B14F-4D97-AF65-F5344CB8AC3E}">
-        <p14:creationId xmlns:p14="http://schemas.microsoft.com/office/powerpoint/2010/main" val="3256532505"/>
+        <p14:creationId xmlns:p14="http://schemas.microsoft.com/office/powerpoint/2010/main" val="1570366047"/>
       </p:ext>
     </p:extLst>
   </p:cSld>
@@ -885,7 +1053,7 @@
           <a:p>
             <a:fld id="{F6A79A97-5D62-4284-B58E-AE1E4D7142D2}" type="slidenum">
               <a:rPr lang="de-DE" smtClean="0"/>
-              <a:t>6</a:t>
+              <a:t>5</a:t>
             </a:fld>
             <a:endParaRPr lang="de-DE"/>
           </a:p>
@@ -894,7 +1062,7 @@
     </p:spTree>
     <p:extLst>
       <p:ext uri="{BB962C8B-B14F-4D97-AF65-F5344CB8AC3E}">
-        <p14:creationId xmlns:p14="http://schemas.microsoft.com/office/powerpoint/2010/main" val="2881545997"/>
+        <p14:creationId xmlns:p14="http://schemas.microsoft.com/office/powerpoint/2010/main" val="3256532505"/>
       </p:ext>
     </p:extLst>
   </p:cSld>
@@ -969,7 +1137,7 @@
           <a:p>
             <a:fld id="{F6A79A97-5D62-4284-B58E-AE1E4D7142D2}" type="slidenum">
               <a:rPr lang="de-DE" smtClean="0"/>
-              <a:t>8</a:t>
+              <a:t>6</a:t>
             </a:fld>
             <a:endParaRPr lang="de-DE"/>
           </a:p>
@@ -978,7 +1146,7 @@
     </p:spTree>
     <p:extLst>
       <p:ext uri="{BB962C8B-B14F-4D97-AF65-F5344CB8AC3E}">
-        <p14:creationId xmlns:p14="http://schemas.microsoft.com/office/powerpoint/2010/main" val="1572479633"/>
+        <p14:creationId xmlns:p14="http://schemas.microsoft.com/office/powerpoint/2010/main" val="2881545997"/>
       </p:ext>
     </p:extLst>
   </p:cSld>
@@ -1053,7 +1221,7 @@
           <a:p>
             <a:fld id="{F6A79A97-5D62-4284-B58E-AE1E4D7142D2}" type="slidenum">
               <a:rPr lang="de-DE" smtClean="0"/>
-              <a:t>9</a:t>
+              <a:t>7</a:t>
             </a:fld>
             <a:endParaRPr lang="de-DE"/>
           </a:p>
@@ -1062,7 +1230,7 @@
     </p:spTree>
     <p:extLst>
       <p:ext uri="{BB962C8B-B14F-4D97-AF65-F5344CB8AC3E}">
-        <p14:creationId xmlns:p14="http://schemas.microsoft.com/office/powerpoint/2010/main" val="2038054717"/>
+        <p14:creationId xmlns:p14="http://schemas.microsoft.com/office/powerpoint/2010/main" val="1572479633"/>
       </p:ext>
     </p:extLst>
   </p:cSld>
@@ -1137,7 +1305,7 @@
           <a:p>
             <a:fld id="{F6A79A97-5D62-4284-B58E-AE1E4D7142D2}" type="slidenum">
               <a:rPr lang="de-DE" smtClean="0"/>
-              <a:t>10</a:t>
+              <a:t>8</a:t>
             </a:fld>
             <a:endParaRPr lang="de-DE"/>
           </a:p>
@@ -1146,7 +1314,7 @@
     </p:spTree>
     <p:extLst>
       <p:ext uri="{BB962C8B-B14F-4D97-AF65-F5344CB8AC3E}">
-        <p14:creationId xmlns:p14="http://schemas.microsoft.com/office/powerpoint/2010/main" val="3375900432"/>
+        <p14:creationId xmlns:p14="http://schemas.microsoft.com/office/powerpoint/2010/main" val="2038054717"/>
       </p:ext>
     </p:extLst>
   </p:cSld>
@@ -1221,7 +1389,7 @@
           <a:p>
             <a:fld id="{F6A79A97-5D62-4284-B58E-AE1E4D7142D2}" type="slidenum">
               <a:rPr lang="de-DE" smtClean="0"/>
-              <a:t>11</a:t>
+              <a:t>9</a:t>
             </a:fld>
             <a:endParaRPr lang="de-DE"/>
           </a:p>
@@ -1230,7 +1398,7 @@
     </p:spTree>
     <p:extLst>
       <p:ext uri="{BB962C8B-B14F-4D97-AF65-F5344CB8AC3E}">
-        <p14:creationId xmlns:p14="http://schemas.microsoft.com/office/powerpoint/2010/main" val="480826515"/>
+        <p14:creationId xmlns:p14="http://schemas.microsoft.com/office/powerpoint/2010/main" val="3375900432"/>
       </p:ext>
     </p:extLst>
   </p:cSld>
@@ -1305,7 +1473,7 @@
           <a:p>
             <a:fld id="{F6A79A97-5D62-4284-B58E-AE1E4D7142D2}" type="slidenum">
               <a:rPr lang="de-DE" smtClean="0"/>
-              <a:t>12</a:t>
+              <a:t>10</a:t>
             </a:fld>
             <a:endParaRPr lang="de-DE"/>
           </a:p>
@@ -1314,7 +1482,7 @@
     </p:spTree>
     <p:extLst>
       <p:ext uri="{BB962C8B-B14F-4D97-AF65-F5344CB8AC3E}">
-        <p14:creationId xmlns:p14="http://schemas.microsoft.com/office/powerpoint/2010/main" val="1726962930"/>
+        <p14:creationId xmlns:p14="http://schemas.microsoft.com/office/powerpoint/2010/main" val="480826515"/>
       </p:ext>
     </p:extLst>
   </p:cSld>
@@ -1563,6 +1731,18 @@
   <p:clrMapOvr>
     <a:masterClrMapping/>
   </p:clrMapOvr>
+  <mc:AlternateContent xmlns:mc="http://schemas.openxmlformats.org/markup-compatibility/2006">
+    <mc:Choice xmlns:p14="http://schemas.microsoft.com/office/powerpoint/2010/main" Requires="p14">
+      <p:transition spd="med" p14:dur="700">
+        <p:fade/>
+      </p:transition>
+    </mc:Choice>
+    <mc:Fallback>
+      <p:transition spd="med">
+        <p:fade/>
+      </p:transition>
+    </mc:Fallback>
+  </mc:AlternateContent>
 </p:sldLayout>
 </file>
 
@@ -1833,6 +2013,18 @@
   <p:clrMapOvr>
     <a:masterClrMapping/>
   </p:clrMapOvr>
+  <mc:AlternateContent xmlns:mc="http://schemas.openxmlformats.org/markup-compatibility/2006">
+    <mc:Choice xmlns:p14="http://schemas.microsoft.com/office/powerpoint/2010/main" Requires="p14">
+      <p:transition spd="med" p14:dur="700">
+        <p:fade/>
+      </p:transition>
+    </mc:Choice>
+    <mc:Fallback>
+      <p:transition spd="med">
+        <p:fade/>
+      </p:transition>
+    </mc:Fallback>
+  </mc:AlternateContent>
 </p:sldLayout>
 </file>
 
@@ -2022,6 +2214,18 @@
   <p:clrMapOvr>
     <a:masterClrMapping/>
   </p:clrMapOvr>
+  <mc:AlternateContent xmlns:mc="http://schemas.openxmlformats.org/markup-compatibility/2006">
+    <mc:Choice xmlns:p14="http://schemas.microsoft.com/office/powerpoint/2010/main" Requires="p14">
+      <p:transition spd="med" p14:dur="700">
+        <p:fade/>
+      </p:transition>
+    </mc:Choice>
+    <mc:Fallback>
+      <p:transition spd="med">
+        <p:fade/>
+      </p:transition>
+    </mc:Fallback>
+  </mc:AlternateContent>
 </p:sldLayout>
 </file>
 
@@ -2384,6 +2588,18 @@
   <p:clrMapOvr>
     <a:masterClrMapping/>
   </p:clrMapOvr>
+  <mc:AlternateContent xmlns:mc="http://schemas.openxmlformats.org/markup-compatibility/2006">
+    <mc:Choice xmlns:p14="http://schemas.microsoft.com/office/powerpoint/2010/main" Requires="p14">
+      <p:transition spd="med" p14:dur="700">
+        <p:fade/>
+      </p:transition>
+    </mc:Choice>
+    <mc:Fallback>
+      <p:transition spd="med">
+        <p:fade/>
+      </p:transition>
+    </mc:Fallback>
+  </mc:AlternateContent>
 </p:sldLayout>
 </file>
 
@@ -2626,6 +2842,18 @@
   <p:clrMapOvr>
     <a:masterClrMapping/>
   </p:clrMapOvr>
+  <mc:AlternateContent xmlns:mc="http://schemas.openxmlformats.org/markup-compatibility/2006">
+    <mc:Choice xmlns:p14="http://schemas.microsoft.com/office/powerpoint/2010/main" Requires="p14">
+      <p:transition spd="med" p14:dur="700">
+        <p:fade/>
+      </p:transition>
+    </mc:Choice>
+    <mc:Fallback>
+      <p:transition spd="med">
+        <p:fade/>
+      </p:transition>
+    </mc:Fallback>
+  </mc:AlternateContent>
 </p:sldLayout>
 </file>
 
@@ -3244,6 +3472,18 @@
   <p:clrMapOvr>
     <a:masterClrMapping/>
   </p:clrMapOvr>
+  <mc:AlternateContent xmlns:mc="http://schemas.openxmlformats.org/markup-compatibility/2006">
+    <mc:Choice xmlns:p14="http://schemas.microsoft.com/office/powerpoint/2010/main" Requires="p14">
+      <p:transition spd="med" p14:dur="700">
+        <p:fade/>
+      </p:transition>
+    </mc:Choice>
+    <mc:Fallback>
+      <p:transition spd="med">
+        <p:fade/>
+      </p:transition>
+    </mc:Fallback>
+  </mc:AlternateContent>
 </p:sldLayout>
 </file>
 
@@ -4099,6 +4339,18 @@
   <p:clrMapOvr>
     <a:masterClrMapping/>
   </p:clrMapOvr>
+  <mc:AlternateContent xmlns:mc="http://schemas.openxmlformats.org/markup-compatibility/2006">
+    <mc:Choice xmlns:p14="http://schemas.microsoft.com/office/powerpoint/2010/main" Requires="p14">
+      <p:transition spd="med" p14:dur="700">
+        <p:fade/>
+      </p:transition>
+    </mc:Choice>
+    <mc:Fallback>
+      <p:transition spd="med">
+        <p:fade/>
+      </p:transition>
+    </mc:Fallback>
+  </mc:AlternateContent>
 </p:sldLayout>
 </file>
 
@@ -4264,6 +4516,18 @@
   <p:clrMapOvr>
     <a:masterClrMapping/>
   </p:clrMapOvr>
+  <mc:AlternateContent xmlns:mc="http://schemas.openxmlformats.org/markup-compatibility/2006">
+    <mc:Choice xmlns:p14="http://schemas.microsoft.com/office/powerpoint/2010/main" Requires="p14">
+      <p:transition spd="med" p14:dur="700">
+        <p:fade/>
+      </p:transition>
+    </mc:Choice>
+    <mc:Fallback>
+      <p:transition spd="med">
+        <p:fade/>
+      </p:transition>
+    </mc:Fallback>
+  </mc:AlternateContent>
 </p:sldLayout>
 </file>
 
@@ -4439,6 +4703,18 @@
   <p:clrMapOvr>
     <a:masterClrMapping/>
   </p:clrMapOvr>
+  <mc:AlternateContent xmlns:mc="http://schemas.openxmlformats.org/markup-compatibility/2006">
+    <mc:Choice xmlns:p14="http://schemas.microsoft.com/office/powerpoint/2010/main" Requires="p14">
+      <p:transition spd="med" p14:dur="700">
+        <p:fade/>
+      </p:transition>
+    </mc:Choice>
+    <mc:Fallback>
+      <p:transition spd="med">
+        <p:fade/>
+      </p:transition>
+    </mc:Fallback>
+  </mc:AlternateContent>
 </p:sldLayout>
 </file>
 
@@ -4604,6 +4880,18 @@
   <p:clrMapOvr>
     <a:masterClrMapping/>
   </p:clrMapOvr>
+  <mc:AlternateContent xmlns:mc="http://schemas.openxmlformats.org/markup-compatibility/2006">
+    <mc:Choice xmlns:p14="http://schemas.microsoft.com/office/powerpoint/2010/main" Requires="p14">
+      <p:transition spd="med" p14:dur="700">
+        <p:fade/>
+      </p:transition>
+    </mc:Choice>
+    <mc:Fallback>
+      <p:transition spd="med">
+        <p:fade/>
+      </p:transition>
+    </mc:Fallback>
+  </mc:AlternateContent>
 </p:sldLayout>
 </file>
 
@@ -4846,6 +5134,18 @@
   <p:clrMapOvr>
     <a:masterClrMapping/>
   </p:clrMapOvr>
+  <mc:AlternateContent xmlns:mc="http://schemas.openxmlformats.org/markup-compatibility/2006">
+    <mc:Choice xmlns:p14="http://schemas.microsoft.com/office/powerpoint/2010/main" Requires="p14">
+      <p:transition spd="med" p14:dur="700">
+        <p:fade/>
+      </p:transition>
+    </mc:Choice>
+    <mc:Fallback>
+      <p:transition spd="med">
+        <p:fade/>
+      </p:transition>
+    </mc:Fallback>
+  </mc:AlternateContent>
 </p:sldLayout>
 </file>
 
@@ -5133,6 +5433,18 @@
   <p:clrMapOvr>
     <a:masterClrMapping/>
   </p:clrMapOvr>
+  <mc:AlternateContent xmlns:mc="http://schemas.openxmlformats.org/markup-compatibility/2006">
+    <mc:Choice xmlns:p14="http://schemas.microsoft.com/office/powerpoint/2010/main" Requires="p14">
+      <p:transition spd="med" p14:dur="700">
+        <p:fade/>
+      </p:transition>
+    </mc:Choice>
+    <mc:Fallback>
+      <p:transition spd="med">
+        <p:fade/>
+      </p:transition>
+    </mc:Fallback>
+  </mc:AlternateContent>
 </p:sldLayout>
 </file>
 
@@ -5572,6 +5884,18 @@
   <p:clrMapOvr>
     <a:masterClrMapping/>
   </p:clrMapOvr>
+  <mc:AlternateContent xmlns:mc="http://schemas.openxmlformats.org/markup-compatibility/2006">
+    <mc:Choice xmlns:p14="http://schemas.microsoft.com/office/powerpoint/2010/main" Requires="p14">
+      <p:transition spd="med" p14:dur="700">
+        <p:fade/>
+      </p:transition>
+    </mc:Choice>
+    <mc:Fallback>
+      <p:transition spd="med">
+        <p:fade/>
+      </p:transition>
+    </mc:Fallback>
+  </mc:AlternateContent>
 </p:sldLayout>
 </file>
 
@@ -5685,6 +6009,18 @@
   <p:clrMapOvr>
     <a:masterClrMapping/>
   </p:clrMapOvr>
+  <mc:AlternateContent xmlns:mc="http://schemas.openxmlformats.org/markup-compatibility/2006">
+    <mc:Choice xmlns:p14="http://schemas.microsoft.com/office/powerpoint/2010/main" Requires="p14">
+      <p:transition spd="med" p14:dur="700">
+        <p:fade/>
+      </p:transition>
+    </mc:Choice>
+    <mc:Fallback>
+      <p:transition spd="med">
+        <p:fade/>
+      </p:transition>
+    </mc:Fallback>
+  </mc:AlternateContent>
 </p:sldLayout>
 </file>
 
@@ -5775,6 +6111,18 @@
   <p:clrMapOvr>
     <a:masterClrMapping/>
   </p:clrMapOvr>
+  <mc:AlternateContent xmlns:mc="http://schemas.openxmlformats.org/markup-compatibility/2006">
+    <mc:Choice xmlns:p14="http://schemas.microsoft.com/office/powerpoint/2010/main" Requires="p14">
+      <p:transition spd="med" p14:dur="700">
+        <p:fade/>
+      </p:transition>
+    </mc:Choice>
+    <mc:Fallback>
+      <p:transition spd="med">
+        <p:fade/>
+      </p:transition>
+    </mc:Fallback>
+  </mc:AlternateContent>
 </p:sldLayout>
 </file>
 
@@ -6049,6 +6397,18 @@
   <p:clrMapOvr>
     <a:masterClrMapping/>
   </p:clrMapOvr>
+  <mc:AlternateContent xmlns:mc="http://schemas.openxmlformats.org/markup-compatibility/2006">
+    <mc:Choice xmlns:p14="http://schemas.microsoft.com/office/powerpoint/2010/main" Requires="p14">
+      <p:transition spd="med" p14:dur="700">
+        <p:fade/>
+      </p:transition>
+    </mc:Choice>
+    <mc:Fallback>
+      <p:transition spd="med">
+        <p:fade/>
+      </p:transition>
+    </mc:Fallback>
+  </mc:AlternateContent>
 </p:sldLayout>
 </file>
 
@@ -6319,6 +6679,18 @@
   <p:clrMapOvr>
     <a:masterClrMapping/>
   </p:clrMapOvr>
+  <mc:AlternateContent xmlns:mc="http://schemas.openxmlformats.org/markup-compatibility/2006">
+    <mc:Choice xmlns:p14="http://schemas.microsoft.com/office/powerpoint/2010/main" Requires="p14">
+      <p:transition spd="med" p14:dur="700">
+        <p:fade/>
+      </p:transition>
+    </mc:Choice>
+    <mc:Fallback>
+      <p:transition spd="med">
+        <p:fade/>
+      </p:transition>
+    </mc:Fallback>
+  </mc:AlternateContent>
 </p:sldLayout>
 </file>
 
@@ -6797,6 +7169,18 @@
     <p:sldLayoutId id="2147483658" r:id="rId16"/>
     <p:sldLayoutId id="2147483659" r:id="rId17"/>
   </p:sldLayoutIdLst>
+  <mc:AlternateContent xmlns:mc="http://schemas.openxmlformats.org/markup-compatibility/2006">
+    <mc:Choice xmlns:p14="http://schemas.microsoft.com/office/powerpoint/2010/main" Requires="p14">
+      <p:transition spd="med" p14:dur="700">
+        <p:fade/>
+      </p:transition>
+    </mc:Choice>
+    <mc:Fallback>
+      <p:transition spd="med">
+        <p:fade/>
+      </p:transition>
+    </mc:Fallback>
+  </mc:AlternateContent>
   <p:hf sldNum="0" hdr="0" ftr="0" dt="0"/>
   <p:txStyles>
     <p:titleStyle>
@@ -7273,6 +7657,18 @@
   <p:clrMapOvr>
     <a:masterClrMapping/>
   </p:clrMapOvr>
+  <mc:AlternateContent xmlns:mc="http://schemas.openxmlformats.org/markup-compatibility/2006">
+    <mc:Choice xmlns:p14="http://schemas.microsoft.com/office/powerpoint/2010/main" Requires="p14">
+      <p:transition spd="med" p14:dur="700">
+        <p:fade/>
+      </p:transition>
+    </mc:Choice>
+    <mc:Fallback>
+      <p:transition spd="med">
+        <p:fade/>
+      </p:transition>
+    </mc:Fallback>
+  </mc:AlternateContent>
 </p:sld>
 </file>
 
@@ -7315,22 +7711,16 @@
           <a:p>
             <a:r>
               <a:rPr lang="de-DE" dirty="0"/>
-              <a:t>Wer fand nun den Sinus und Kosinus?</a:t>
-            </a:r>
-            <a:br>
-              <a:rPr lang="de-DE" dirty="0"/>
-            </a:br>
-            <a:r>
-              <a:rPr lang="de-DE" sz="2800" dirty="0">
-                <a:solidFill>
-                  <a:schemeClr val="bg2">
-                    <a:lumMod val="60000"/>
-                    <a:lumOff val="40000"/>
-                  </a:schemeClr>
-                </a:solidFill>
-              </a:rPr>
-              <a:t>Geometrische Sehnen – Die Inder</a:t>
-            </a:r>
+              <a:t>Die Vervollständigung durch die Araber</a:t>
+            </a:r>
+            <a:endParaRPr lang="de-DE" sz="2800" dirty="0">
+              <a:solidFill>
+                <a:schemeClr val="bg2">
+                  <a:lumMod val="60000"/>
+                  <a:lumOff val="40000"/>
+                </a:schemeClr>
+              </a:solidFill>
+            </a:endParaRPr>
           </a:p>
         </p:txBody>
       </p:sp>
@@ -7358,45 +7748,27 @@
           <a:p>
             <a:r>
               <a:rPr lang="de-DE" dirty="0"/>
-              <a:t>Sehnengeometrie: </a:t>
+              <a:t>Im späten 8.Jahrhundert übernahmen arabische Astronomen </a:t>
             </a:r>
             <a:br>
               <a:rPr lang="de-DE" dirty="0"/>
             </a:br>
             <a:r>
               <a:rPr lang="de-DE" dirty="0"/>
-              <a:t>AC = </a:t>
-            </a:r>
-            <a:r>
-              <a:rPr lang="de-DE" dirty="0" err="1"/>
-              <a:t>ch</a:t>
-            </a:r>
+              <a:t>sowohl griechische als auch indische Erkenntnisse</a:t>
+            </a:r>
+          </a:p>
+          <a:p>
             <a:r>
               <a:rPr lang="de-DE" dirty="0"/>
-              <a:t> 2a, AB = sin a</a:t>
-            </a:r>
-          </a:p>
-          <a:p>
-            <a:endParaRPr lang="de-DE" dirty="0"/>
-          </a:p>
-          <a:p>
-            <a:r>
-              <a:rPr lang="de-DE" dirty="0"/>
-              <a:t>Kein geschlossenes System</a:t>
-            </a:r>
-            <a:br>
-              <a:rPr lang="de-DE" dirty="0"/>
-            </a:br>
-            <a:r>
-              <a:rPr lang="de-DE" dirty="0"/>
-              <a:t>(Wurde mehr für Einzelfälle verwendet)</a:t>
+              <a:t>Bis zum Ende des 10. Jahrhunderts hatten sie die grundlegende trigonometrische Funktion vervollständigt</a:t>
             </a:r>
           </a:p>
         </p:txBody>
       </p:sp>
       <p:pic>
         <p:nvPicPr>
-          <p:cNvPr id="6" name="Grafik 5"/>
+          <p:cNvPr id="4" name="Grafik 3"/>
           <p:cNvPicPr>
             <a:picLocks noChangeAspect="1"/>
           </p:cNvPicPr>
@@ -7410,123 +7782,106 @@
         </p:blipFill>
         <p:spPr>
           <a:xfrm>
-            <a:off x="7027625" y="2258192"/>
-            <a:ext cx="4020801" cy="3713400"/>
+            <a:off x="4235126" y="2426634"/>
+            <a:ext cx="2857500" cy="4057650"/>
           </a:xfrm>
           <a:prstGeom prst="rect">
             <a:avLst/>
           </a:prstGeom>
         </p:spPr>
       </p:pic>
-    </p:spTree>
-    <p:extLst>
-      <p:ext uri="{BB962C8B-B14F-4D97-AF65-F5344CB8AC3E}">
-        <p14:creationId xmlns:p14="http://schemas.microsoft.com/office/powerpoint/2010/main" val="2148536838"/>
-      </p:ext>
-    </p:extLst>
-  </p:cSld>
-  <p:clrMapOvr>
-    <a:masterClrMapping/>
-  </p:clrMapOvr>
-</p:sld>
-</file>
-
-<file path=ppt/slides/slide11.xml><?xml version="1.0" encoding="utf-8"?>
-<p:sld xmlns:a="http://schemas.openxmlformats.org/drawingml/2006/main" xmlns:r="http://schemas.openxmlformats.org/officeDocument/2006/relationships" xmlns:p="http://schemas.openxmlformats.org/presentationml/2006/main">
-  <p:cSld>
-    <p:spTree>
-      <p:nvGrpSpPr>
-        <p:cNvPr id="1" name=""/>
-        <p:cNvGrpSpPr/>
-        <p:nvPr/>
-      </p:nvGrpSpPr>
-      <p:grpSpPr>
-        <a:xfrm>
-          <a:off x="0" y="0"/>
-          <a:ext cx="0" cy="0"/>
-          <a:chOff x="0" y="0"/>
-          <a:chExt cx="0" cy="0"/>
-        </a:xfrm>
-      </p:grpSpPr>
-      <p:sp>
-        <p:nvSpPr>
-          <p:cNvPr id="2" name="Titel 1"/>
-          <p:cNvSpPr>
-            <a:spLocks noGrp="1"/>
-          </p:cNvSpPr>
-          <p:nvPr>
-            <p:ph type="title"/>
-          </p:nvPr>
+      <p:sp>
+        <p:nvSpPr>
+          <p:cNvPr id="5" name="Textfeld 4"/>
+          <p:cNvSpPr txBox="1"/>
+          <p:nvPr/>
+        </p:nvSpPr>
+        <p:spPr>
+          <a:xfrm rot="1378114">
+            <a:off x="6256093" y="1088135"/>
+            <a:ext cx="1524034" cy="2400657"/>
+          </a:xfrm>
+          <a:prstGeom prst="rect">
+            <a:avLst/>
+          </a:prstGeom>
+          <a:noFill/>
+        </p:spPr>
+        <p:txBody>
+          <a:bodyPr wrap="square" rtlCol="0">
+            <a:spAutoFit/>
+          </a:bodyPr>
+          <a:lstStyle/>
+          <a:p>
+            <a:r>
+              <a:rPr lang="de-DE" sz="15000" dirty="0">
+                <a:latin typeface="Arial" panose="020B0604020202020204" pitchFamily="34" charset="0"/>
+                <a:cs typeface="Arial" panose="020B0604020202020204" pitchFamily="34" charset="0"/>
+              </a:rPr>
+              <a:t>?</a:t>
+            </a:r>
+          </a:p>
+        </p:txBody>
+      </p:sp>
+      <p:sp>
+        <p:nvSpPr>
+          <p:cNvPr id="6" name="Textfeld 5"/>
+          <p:cNvSpPr txBox="1"/>
+          <p:nvPr/>
         </p:nvSpPr>
         <p:spPr>
           <a:xfrm>
-            <a:off x="646111" y="452718"/>
-            <a:ext cx="9829384" cy="1400530"/>
+            <a:off x="5119810" y="752755"/>
+            <a:ext cx="1143006" cy="2400657"/>
           </a:xfrm>
+          <a:prstGeom prst="rect">
+            <a:avLst/>
+          </a:prstGeom>
+          <a:noFill/>
         </p:spPr>
         <p:txBody>
-          <a:bodyPr/>
-          <a:lstStyle/>
-          <a:p>
-            <a:r>
-              <a:rPr lang="de-DE" dirty="0"/>
-              <a:t>Wer fand nun den Sinus und Kosinus?</a:t>
-            </a:r>
-            <a:br>
-              <a:rPr lang="de-DE" dirty="0"/>
-            </a:br>
-            <a:r>
-              <a:rPr lang="de-DE" sz="2800" dirty="0">
-                <a:solidFill>
-                  <a:schemeClr val="bg2">
-                    <a:lumMod val="60000"/>
-                    <a:lumOff val="40000"/>
-                  </a:schemeClr>
-                </a:solidFill>
-              </a:rPr>
-              <a:t>Geometrische Sehnen – Die Araber</a:t>
-            </a:r>
-          </a:p>
-        </p:txBody>
-      </p:sp>
-      <p:sp>
-        <p:nvSpPr>
-          <p:cNvPr id="3" name="Inhaltsplatzhalter 2"/>
-          <p:cNvSpPr>
-            <a:spLocks noGrp="1"/>
-          </p:cNvSpPr>
-          <p:nvPr>
-            <p:ph idx="1"/>
-          </p:nvPr>
-        </p:nvSpPr>
-        <p:spPr>
-          <a:xfrm>
-            <a:off x="1103312" y="2052918"/>
-            <a:ext cx="10206371" cy="4805082"/>
-          </a:xfrm>
-        </p:spPr>
-        <p:txBody>
-          <a:bodyPr>
-            <a:normAutofit/>
+          <a:bodyPr wrap="square" rtlCol="0">
+            <a:spAutoFit/>
           </a:bodyPr>
           <a:lstStyle/>
           <a:p>
             <a:r>
-              <a:rPr lang="de-DE" dirty="0"/>
-              <a:t>Im späten 8.Jahrhundert übernahmen arabische Astronomen </a:t>
-            </a:r>
-            <a:br>
-              <a:rPr lang="de-DE" dirty="0"/>
-            </a:br>
-            <a:r>
-              <a:rPr lang="de-DE" dirty="0"/>
-              <a:t>sowohl griechische als auch indische Erkenntnisse</a:t>
-            </a:r>
-          </a:p>
-          <a:p>
-            <a:r>
-              <a:rPr lang="de-DE" dirty="0"/>
-              <a:t>Bis zum Ende des 10. Jahrhunderts hatten sie die grundlegende trigonometrische Funktion vervollständigt</a:t>
+              <a:rPr lang="de-DE" sz="15000" dirty="0">
+                <a:latin typeface="Arial" panose="020B0604020202020204" pitchFamily="34" charset="0"/>
+                <a:cs typeface="Arial" panose="020B0604020202020204" pitchFamily="34" charset="0"/>
+              </a:rPr>
+              <a:t>?</a:t>
+            </a:r>
+          </a:p>
+        </p:txBody>
+      </p:sp>
+      <p:sp>
+        <p:nvSpPr>
+          <p:cNvPr id="7" name="Textfeld 6"/>
+          <p:cNvSpPr txBox="1"/>
+          <p:nvPr/>
+        </p:nvSpPr>
+        <p:spPr>
+          <a:xfrm rot="20565399">
+            <a:off x="3997747" y="1003281"/>
+            <a:ext cx="1377995" cy="2400657"/>
+          </a:xfrm>
+          <a:prstGeom prst="rect">
+            <a:avLst/>
+          </a:prstGeom>
+          <a:noFill/>
+        </p:spPr>
+        <p:txBody>
+          <a:bodyPr wrap="square" rtlCol="0">
+            <a:spAutoFit/>
+          </a:bodyPr>
+          <a:lstStyle/>
+          <a:p>
+            <a:r>
+              <a:rPr lang="de-DE" sz="15000" dirty="0">
+                <a:latin typeface="Arial" panose="020B0604020202020204" pitchFamily="34" charset="0"/>
+                <a:cs typeface="Arial" panose="020B0604020202020204" pitchFamily="34" charset="0"/>
+              </a:rPr>
+              <a:t>?</a:t>
             </a:r>
           </a:p>
         </p:txBody>
@@ -7541,10 +7896,356 @@
   <p:clrMapOvr>
     <a:masterClrMapping/>
   </p:clrMapOvr>
+  <mc:AlternateContent xmlns:mc="http://schemas.openxmlformats.org/markup-compatibility/2006">
+    <mc:Choice xmlns:p14="http://schemas.microsoft.com/office/powerpoint/2010/main" Requires="p14">
+      <p:transition spd="med" p14:dur="700">
+        <p:fade/>
+      </p:transition>
+    </mc:Choice>
+    <mc:Fallback>
+      <p:transition spd="med">
+        <p:fade/>
+      </p:transition>
+    </mc:Fallback>
+  </mc:AlternateContent>
+  <p:timing>
+    <p:tnLst>
+      <p:par>
+        <p:cTn id="1" dur="indefinite" restart="never" nodeType="tmRoot">
+          <p:childTnLst>
+            <p:seq concurrent="1" nextAc="seek">
+              <p:cTn id="2" dur="indefinite" nodeType="mainSeq">
+                <p:childTnLst>
+                  <p:par>
+                    <p:cTn id="3" fill="hold">
+                      <p:stCondLst>
+                        <p:cond delay="indefinite"/>
+                      </p:stCondLst>
+                      <p:childTnLst>
+                        <p:par>
+                          <p:cTn id="4" fill="hold">
+                            <p:stCondLst>
+                              <p:cond delay="0"/>
+                            </p:stCondLst>
+                            <p:childTnLst>
+                              <p:par>
+                                <p:cTn id="5" presetID="10" presetClass="entr" presetSubtype="0" fill="hold" grpId="0" nodeType="clickEffect">
+                                  <p:stCondLst>
+                                    <p:cond delay="0"/>
+                                  </p:stCondLst>
+                                  <p:childTnLst>
+                                    <p:set>
+                                      <p:cBhvr>
+                                        <p:cTn id="6" dur="1" fill="hold">
+                                          <p:stCondLst>
+                                            <p:cond delay="0"/>
+                                          </p:stCondLst>
+                                        </p:cTn>
+                                        <p:tgtEl>
+                                          <p:spTgt spid="3">
+                                            <p:txEl>
+                                              <p:pRg st="0" end="0"/>
+                                            </p:txEl>
+                                          </p:spTgt>
+                                        </p:tgtEl>
+                                        <p:attrNameLst>
+                                          <p:attrName>style.visibility</p:attrName>
+                                        </p:attrNameLst>
+                                      </p:cBhvr>
+                                      <p:to>
+                                        <p:strVal val="visible"/>
+                                      </p:to>
+                                    </p:set>
+                                    <p:animEffect transition="in" filter="fade">
+                                      <p:cBhvr>
+                                        <p:cTn id="7" dur="500"/>
+                                        <p:tgtEl>
+                                          <p:spTgt spid="3">
+                                            <p:txEl>
+                                              <p:pRg st="0" end="0"/>
+                                            </p:txEl>
+                                          </p:spTgt>
+                                        </p:tgtEl>
+                                      </p:cBhvr>
+                                    </p:animEffect>
+                                  </p:childTnLst>
+                                </p:cTn>
+                              </p:par>
+                            </p:childTnLst>
+                          </p:cTn>
+                        </p:par>
+                      </p:childTnLst>
+                    </p:cTn>
+                  </p:par>
+                  <p:par>
+                    <p:cTn id="8" fill="hold">
+                      <p:stCondLst>
+                        <p:cond delay="indefinite"/>
+                      </p:stCondLst>
+                      <p:childTnLst>
+                        <p:par>
+                          <p:cTn id="9" fill="hold">
+                            <p:stCondLst>
+                              <p:cond delay="0"/>
+                            </p:stCondLst>
+                            <p:childTnLst>
+                              <p:par>
+                                <p:cTn id="10" presetID="10" presetClass="entr" presetSubtype="0" fill="hold" grpId="0" nodeType="clickEffect">
+                                  <p:stCondLst>
+                                    <p:cond delay="0"/>
+                                  </p:stCondLst>
+                                  <p:childTnLst>
+                                    <p:set>
+                                      <p:cBhvr>
+                                        <p:cTn id="11" dur="1" fill="hold">
+                                          <p:stCondLst>
+                                            <p:cond delay="0"/>
+                                          </p:stCondLst>
+                                        </p:cTn>
+                                        <p:tgtEl>
+                                          <p:spTgt spid="3">
+                                            <p:txEl>
+                                              <p:pRg st="1" end="1"/>
+                                            </p:txEl>
+                                          </p:spTgt>
+                                        </p:tgtEl>
+                                        <p:attrNameLst>
+                                          <p:attrName>style.visibility</p:attrName>
+                                        </p:attrNameLst>
+                                      </p:cBhvr>
+                                      <p:to>
+                                        <p:strVal val="visible"/>
+                                      </p:to>
+                                    </p:set>
+                                    <p:animEffect transition="in" filter="fade">
+                                      <p:cBhvr>
+                                        <p:cTn id="12" dur="500"/>
+                                        <p:tgtEl>
+                                          <p:spTgt spid="3">
+                                            <p:txEl>
+                                              <p:pRg st="1" end="1"/>
+                                            </p:txEl>
+                                          </p:spTgt>
+                                        </p:tgtEl>
+                                      </p:cBhvr>
+                                    </p:animEffect>
+                                  </p:childTnLst>
+                                </p:cTn>
+                              </p:par>
+                            </p:childTnLst>
+                          </p:cTn>
+                        </p:par>
+                      </p:childTnLst>
+                    </p:cTn>
+                  </p:par>
+                  <p:par>
+                    <p:cTn id="13" fill="hold">
+                      <p:stCondLst>
+                        <p:cond delay="indefinite"/>
+                      </p:stCondLst>
+                      <p:childTnLst>
+                        <p:par>
+                          <p:cTn id="14" fill="hold">
+                            <p:stCondLst>
+                              <p:cond delay="0"/>
+                            </p:stCondLst>
+                            <p:childTnLst>
+                              <p:par>
+                                <p:cTn id="15" presetID="10" presetClass="entr" presetSubtype="0" fill="hold" nodeType="clickEffect">
+                                  <p:stCondLst>
+                                    <p:cond delay="0"/>
+                                  </p:stCondLst>
+                                  <p:childTnLst>
+                                    <p:set>
+                                      <p:cBhvr>
+                                        <p:cTn id="16" dur="1" fill="hold">
+                                          <p:stCondLst>
+                                            <p:cond delay="0"/>
+                                          </p:stCondLst>
+                                        </p:cTn>
+                                        <p:tgtEl>
+                                          <p:spTgt spid="4"/>
+                                        </p:tgtEl>
+                                        <p:attrNameLst>
+                                          <p:attrName>style.visibility</p:attrName>
+                                        </p:attrNameLst>
+                                      </p:cBhvr>
+                                      <p:to>
+                                        <p:strVal val="visible"/>
+                                      </p:to>
+                                    </p:set>
+                                    <p:animEffect transition="in" filter="fade">
+                                      <p:cBhvr>
+                                        <p:cTn id="17" dur="500"/>
+                                        <p:tgtEl>
+                                          <p:spTgt spid="4"/>
+                                        </p:tgtEl>
+                                      </p:cBhvr>
+                                    </p:animEffect>
+                                  </p:childTnLst>
+                                </p:cTn>
+                              </p:par>
+                            </p:childTnLst>
+                          </p:cTn>
+                        </p:par>
+                      </p:childTnLst>
+                    </p:cTn>
+                  </p:par>
+                  <p:par>
+                    <p:cTn id="18" fill="hold">
+                      <p:stCondLst>
+                        <p:cond delay="indefinite"/>
+                      </p:stCondLst>
+                      <p:childTnLst>
+                        <p:par>
+                          <p:cTn id="19" fill="hold">
+                            <p:stCondLst>
+                              <p:cond delay="0"/>
+                            </p:stCondLst>
+                            <p:childTnLst>
+                              <p:par>
+                                <p:cTn id="20" presetID="10" presetClass="entr" presetSubtype="0" fill="hold" grpId="0" nodeType="clickEffect">
+                                  <p:stCondLst>
+                                    <p:cond delay="0"/>
+                                  </p:stCondLst>
+                                  <p:childTnLst>
+                                    <p:set>
+                                      <p:cBhvr>
+                                        <p:cTn id="21" dur="1" fill="hold">
+                                          <p:stCondLst>
+                                            <p:cond delay="0"/>
+                                          </p:stCondLst>
+                                        </p:cTn>
+                                        <p:tgtEl>
+                                          <p:spTgt spid="7"/>
+                                        </p:tgtEl>
+                                        <p:attrNameLst>
+                                          <p:attrName>style.visibility</p:attrName>
+                                        </p:attrNameLst>
+                                      </p:cBhvr>
+                                      <p:to>
+                                        <p:strVal val="visible"/>
+                                      </p:to>
+                                    </p:set>
+                                    <p:animEffect transition="in" filter="fade">
+                                      <p:cBhvr>
+                                        <p:cTn id="22" dur="500"/>
+                                        <p:tgtEl>
+                                          <p:spTgt spid="7"/>
+                                        </p:tgtEl>
+                                      </p:cBhvr>
+                                    </p:animEffect>
+                                  </p:childTnLst>
+                                </p:cTn>
+                              </p:par>
+                              <p:par>
+                                <p:cTn id="23" presetID="10" presetClass="entr" presetSubtype="0" fill="hold" grpId="0" nodeType="withEffect">
+                                  <p:stCondLst>
+                                    <p:cond delay="0"/>
+                                  </p:stCondLst>
+                                  <p:childTnLst>
+                                    <p:set>
+                                      <p:cBhvr>
+                                        <p:cTn id="24" dur="1" fill="hold">
+                                          <p:stCondLst>
+                                            <p:cond delay="0"/>
+                                          </p:stCondLst>
+                                        </p:cTn>
+                                        <p:tgtEl>
+                                          <p:spTgt spid="6"/>
+                                        </p:tgtEl>
+                                        <p:attrNameLst>
+                                          <p:attrName>style.visibility</p:attrName>
+                                        </p:attrNameLst>
+                                      </p:cBhvr>
+                                      <p:to>
+                                        <p:strVal val="visible"/>
+                                      </p:to>
+                                    </p:set>
+                                    <p:animEffect transition="in" filter="fade">
+                                      <p:cBhvr>
+                                        <p:cTn id="25" dur="500"/>
+                                        <p:tgtEl>
+                                          <p:spTgt spid="6"/>
+                                        </p:tgtEl>
+                                      </p:cBhvr>
+                                    </p:animEffect>
+                                  </p:childTnLst>
+                                </p:cTn>
+                              </p:par>
+                              <p:par>
+                                <p:cTn id="26" presetID="10" presetClass="entr" presetSubtype="0" fill="hold" grpId="0" nodeType="withEffect">
+                                  <p:stCondLst>
+                                    <p:cond delay="0"/>
+                                  </p:stCondLst>
+                                  <p:childTnLst>
+                                    <p:set>
+                                      <p:cBhvr>
+                                        <p:cTn id="27" dur="1" fill="hold">
+                                          <p:stCondLst>
+                                            <p:cond delay="0"/>
+                                          </p:stCondLst>
+                                        </p:cTn>
+                                        <p:tgtEl>
+                                          <p:spTgt spid="5"/>
+                                        </p:tgtEl>
+                                        <p:attrNameLst>
+                                          <p:attrName>style.visibility</p:attrName>
+                                        </p:attrNameLst>
+                                      </p:cBhvr>
+                                      <p:to>
+                                        <p:strVal val="visible"/>
+                                      </p:to>
+                                    </p:set>
+                                    <p:animEffect transition="in" filter="fade">
+                                      <p:cBhvr>
+                                        <p:cTn id="28" dur="500"/>
+                                        <p:tgtEl>
+                                          <p:spTgt spid="5"/>
+                                        </p:tgtEl>
+                                      </p:cBhvr>
+                                    </p:animEffect>
+                                  </p:childTnLst>
+                                </p:cTn>
+                              </p:par>
+                            </p:childTnLst>
+                          </p:cTn>
+                        </p:par>
+                      </p:childTnLst>
+                    </p:cTn>
+                  </p:par>
+                </p:childTnLst>
+              </p:cTn>
+              <p:prevCondLst>
+                <p:cond evt="onPrev" delay="0">
+                  <p:tgtEl>
+                    <p:sldTgt/>
+                  </p:tgtEl>
+                </p:cond>
+              </p:prevCondLst>
+              <p:nextCondLst>
+                <p:cond evt="onNext" delay="0">
+                  <p:tgtEl>
+                    <p:sldTgt/>
+                  </p:tgtEl>
+                </p:cond>
+              </p:nextCondLst>
+            </p:seq>
+          </p:childTnLst>
+        </p:cTn>
+      </p:par>
+    </p:tnLst>
+    <p:bldLst>
+      <p:bldP spid="3" grpId="0" build="p"/>
+      <p:bldP spid="5" grpId="0"/>
+      <p:bldP spid="6" grpId="0"/>
+      <p:bldP spid="7" grpId="0"/>
+    </p:bldLst>
+  </p:timing>
 </p:sld>
 </file>
 
-<file path=ppt/slides/slide12.xml><?xml version="1.0" encoding="utf-8"?>
+<file path=ppt/slides/slide11.xml><?xml version="1.0" encoding="utf-8"?>
 <p:sld xmlns:a="http://schemas.openxmlformats.org/drawingml/2006/main" xmlns:r="http://schemas.openxmlformats.org/officeDocument/2006/relationships" xmlns:p="http://schemas.openxmlformats.org/presentationml/2006/main">
   <p:cSld>
     <p:spTree>
@@ -8263,6 +8964,752 @@
   <p:clrMapOvr>
     <a:masterClrMapping/>
   </p:clrMapOvr>
+  <mc:AlternateContent xmlns:mc="http://schemas.openxmlformats.org/markup-compatibility/2006">
+    <mc:Choice xmlns:p14="http://schemas.microsoft.com/office/powerpoint/2010/main" Requires="p14">
+      <p:transition spd="med" p14:dur="700">
+        <p:fade/>
+      </p:transition>
+    </mc:Choice>
+    <mc:Fallback>
+      <p:transition spd="med">
+        <p:fade/>
+      </p:transition>
+    </mc:Fallback>
+  </mc:AlternateContent>
+</p:sld>
+</file>
+
+<file path=ppt/slides/slide12.xml><?xml version="1.0" encoding="utf-8"?>
+<p:sld xmlns:a="http://schemas.openxmlformats.org/drawingml/2006/main" xmlns:r="http://schemas.openxmlformats.org/officeDocument/2006/relationships" xmlns:p="http://schemas.openxmlformats.org/presentationml/2006/main">
+  <p:cSld>
+    <p:spTree>
+      <p:nvGrpSpPr>
+        <p:cNvPr id="1" name=""/>
+        <p:cNvGrpSpPr/>
+        <p:nvPr/>
+      </p:nvGrpSpPr>
+      <p:grpSpPr>
+        <a:xfrm>
+          <a:off x="0" y="0"/>
+          <a:ext cx="0" cy="0"/>
+          <a:chOff x="0" y="0"/>
+          <a:chExt cx="0" cy="0"/>
+        </a:xfrm>
+      </p:grpSpPr>
+      <p:sp>
+        <p:nvSpPr>
+          <p:cNvPr id="7" name="Rectangle 6"/>
+          <p:cNvSpPr>
+            <a:spLocks noGrp="1" noRot="1" noChangeAspect="1" noMove="1" noResize="1" noEditPoints="1" noAdjustHandles="1" noChangeArrowheads="1" noChangeShapeType="1" noTextEdit="1"/>
+          </p:cNvSpPr>
+          <p:nvPr>
+            <p:extLst>
+              <p:ext uri="{386F3935-93C4-4BCD-93E2-E3B085C9AB24}">
+                <p16:designElem xmlns:p16="http://schemas.microsoft.com/office/powerpoint/2015/main" val="1"/>
+              </p:ext>
+            </p:extLst>
+          </p:nvPr>
+        </p:nvSpPr>
+        <p:spPr>
+          <a:xfrm>
+            <a:off x="7554139" y="0"/>
+            <a:ext cx="4638280" cy="6858000"/>
+          </a:xfrm>
+          <a:prstGeom prst="rect">
+            <a:avLst/>
+          </a:prstGeom>
+          <a:solidFill>
+            <a:srgbClr val="FFFFFF"/>
+          </a:solidFill>
+          <a:ln>
+            <a:noFill/>
+          </a:ln>
+        </p:spPr>
+        <p:style>
+          <a:lnRef idx="2">
+            <a:schemeClr val="accent1">
+              <a:shade val="50000"/>
+            </a:schemeClr>
+          </a:lnRef>
+          <a:fillRef idx="1">
+            <a:schemeClr val="accent1"/>
+          </a:fillRef>
+          <a:effectRef idx="0">
+            <a:schemeClr val="accent1"/>
+          </a:effectRef>
+          <a:fontRef idx="minor">
+            <a:schemeClr val="lt1"/>
+          </a:fontRef>
+        </p:style>
+        <p:txBody>
+          <a:bodyPr rtlCol="0" anchor="ctr"/>
+          <a:lstStyle/>
+          <a:p>
+            <a:pPr algn="ctr"/>
+            <a:endParaRPr lang="en-US"/>
+          </a:p>
+        </p:txBody>
+      </p:sp>
+      <p:sp>
+        <p:nvSpPr>
+          <p:cNvPr id="8" name="Freeform 31"/>
+          <p:cNvSpPr>
+            <a:spLocks noGrp="1" noRot="1" noChangeAspect="1" noMove="1" noResize="1" noEditPoints="1" noAdjustHandles="1" noChangeArrowheads="1" noChangeShapeType="1" noTextEdit="1"/>
+          </p:cNvSpPr>
+          <p:nvPr>
+            <p:extLst>
+              <p:ext uri="{386F3935-93C4-4BCD-93E2-E3B085C9AB24}">
+                <p16:designElem xmlns:p16="http://schemas.microsoft.com/office/powerpoint/2015/main" val="1"/>
+              </p:ext>
+            </p:extLst>
+          </p:nvPr>
+        </p:nvSpPr>
+        <p:spPr>
+          <a:xfrm>
+            <a:off x="6449843" y="-1"/>
+            <a:ext cx="559472" cy="3709642"/>
+          </a:xfrm>
+          <a:custGeom>
+            <a:avLst/>
+            <a:gdLst>
+              <a:gd name="connsiteX0" fmla="*/ 0 w 559472"/>
+              <a:gd name="connsiteY0" fmla="*/ 0 h 3709642"/>
+              <a:gd name="connsiteX1" fmla="*/ 473952 w 559472"/>
+              <a:gd name="connsiteY1" fmla="*/ 0 h 3709642"/>
+              <a:gd name="connsiteX2" fmla="*/ 485840 w 559472"/>
+              <a:gd name="connsiteY2" fmla="*/ 161194 h 3709642"/>
+              <a:gd name="connsiteX3" fmla="*/ 523949 w 559472"/>
+              <a:gd name="connsiteY3" fmla="*/ 3672197 h 3709642"/>
+              <a:gd name="connsiteX4" fmla="*/ 454748 w 559472"/>
+              <a:gd name="connsiteY4" fmla="*/ 3709642 h 3709642"/>
+              <a:gd name="connsiteX5" fmla="*/ 448224 w 559472"/>
+              <a:gd name="connsiteY5" fmla="*/ 3510471 h 3709642"/>
+              <a:gd name="connsiteX6" fmla="*/ 443564 w 559472"/>
+              <a:gd name="connsiteY6" fmla="*/ 3408563 h 3709642"/>
+              <a:gd name="connsiteX7" fmla="*/ 438902 w 559472"/>
+              <a:gd name="connsiteY7" fmla="*/ 3304407 h 3709642"/>
+              <a:gd name="connsiteX8" fmla="*/ 433941 w 559472"/>
+              <a:gd name="connsiteY8" fmla="*/ 3198777 h 3709642"/>
+              <a:gd name="connsiteX9" fmla="*/ 427584 w 559472"/>
+              <a:gd name="connsiteY9" fmla="*/ 3092510 h 3709642"/>
+              <a:gd name="connsiteX10" fmla="*/ 420988 w 559472"/>
+              <a:gd name="connsiteY10" fmla="*/ 2984390 h 3709642"/>
+              <a:gd name="connsiteX11" fmla="*/ 414330 w 559472"/>
+              <a:gd name="connsiteY11" fmla="*/ 2874401 h 3709642"/>
+              <a:gd name="connsiteX12" fmla="*/ 406840 w 559472"/>
+              <a:gd name="connsiteY12" fmla="*/ 2762980 h 3709642"/>
+              <a:gd name="connsiteX13" fmla="*/ 397745 w 559472"/>
+              <a:gd name="connsiteY13" fmla="*/ 2650566 h 3709642"/>
+              <a:gd name="connsiteX14" fmla="*/ 389154 w 559472"/>
+              <a:gd name="connsiteY14" fmla="*/ 2536612 h 3709642"/>
+              <a:gd name="connsiteX15" fmla="*/ 379225 w 559472"/>
+              <a:gd name="connsiteY15" fmla="*/ 2421642 h 3709642"/>
+              <a:gd name="connsiteX16" fmla="*/ 368316 w 559472"/>
+              <a:gd name="connsiteY16" fmla="*/ 2305627 h 3709642"/>
+              <a:gd name="connsiteX17" fmla="*/ 357466 w 559472"/>
+              <a:gd name="connsiteY17" fmla="*/ 2189233 h 3709642"/>
+              <a:gd name="connsiteX18" fmla="*/ 344982 w 559472"/>
+              <a:gd name="connsiteY18" fmla="*/ 2071473 h 3709642"/>
+              <a:gd name="connsiteX19" fmla="*/ 332466 w 559472"/>
+              <a:gd name="connsiteY19" fmla="*/ 1952216 h 3709642"/>
+              <a:gd name="connsiteX20" fmla="*/ 319121 w 559472"/>
+              <a:gd name="connsiteY20" fmla="*/ 1833776 h 3709642"/>
+              <a:gd name="connsiteX21" fmla="*/ 304408 w 559472"/>
+              <a:gd name="connsiteY21" fmla="*/ 1713948 h 3709642"/>
+              <a:gd name="connsiteX22" fmla="*/ 288685 w 559472"/>
+              <a:gd name="connsiteY22" fmla="*/ 1592703 h 3709642"/>
+              <a:gd name="connsiteX23" fmla="*/ 273050 w 559472"/>
+              <a:gd name="connsiteY23" fmla="*/ 1471451 h 3709642"/>
+              <a:gd name="connsiteX24" fmla="*/ 255813 w 559472"/>
+              <a:gd name="connsiteY24" fmla="*/ 1350328 h 3709642"/>
+              <a:gd name="connsiteX25" fmla="*/ 237060 w 559472"/>
+              <a:gd name="connsiteY25" fmla="*/ 1227080 h 3709642"/>
+              <a:gd name="connsiteX26" fmla="*/ 218488 w 559472"/>
+              <a:gd name="connsiteY26" fmla="*/ 1106065 h 3709642"/>
+              <a:gd name="connsiteX27" fmla="*/ 198221 w 559472"/>
+              <a:gd name="connsiteY27" fmla="*/ 982940 h 3709642"/>
+              <a:gd name="connsiteX28" fmla="*/ 177152 w 559472"/>
+              <a:gd name="connsiteY28" fmla="*/ 858755 h 3709642"/>
+              <a:gd name="connsiteX29" fmla="*/ 155551 w 559472"/>
+              <a:gd name="connsiteY29" fmla="*/ 736861 h 3709642"/>
+              <a:gd name="connsiteX30" fmla="*/ 131782 w 559472"/>
+              <a:gd name="connsiteY30" fmla="*/ 613645 h 3709642"/>
+              <a:gd name="connsiteX31" fmla="*/ 107123 w 559472"/>
+              <a:gd name="connsiteY31" fmla="*/ 490500 h 3709642"/>
+              <a:gd name="connsiteX32" fmla="*/ 82552 w 559472"/>
+              <a:gd name="connsiteY32" fmla="*/ 367348 h 3709642"/>
+              <a:gd name="connsiteX33" fmla="*/ 55608 w 559472"/>
+              <a:gd name="connsiteY33" fmla="*/ 244762 h 3709642"/>
+              <a:gd name="connsiteX34" fmla="*/ 28130 w 559472"/>
+              <a:gd name="connsiteY34" fmla="*/ 122220 h 3709642"/>
+              <a:gd name="connsiteX35" fmla="*/ 0 w 559472"/>
+              <a:gd name="connsiteY35" fmla="*/ 0 h 3709642"/>
+            </a:gdLst>
+            <a:ahLst/>
+            <a:cxnLst>
+              <a:cxn ang="0">
+                <a:pos x="connsiteX0" y="connsiteY0"/>
+              </a:cxn>
+              <a:cxn ang="0">
+                <a:pos x="connsiteX1" y="connsiteY1"/>
+              </a:cxn>
+              <a:cxn ang="0">
+                <a:pos x="connsiteX2" y="connsiteY2"/>
+              </a:cxn>
+              <a:cxn ang="0">
+                <a:pos x="connsiteX3" y="connsiteY3"/>
+              </a:cxn>
+              <a:cxn ang="0">
+                <a:pos x="connsiteX4" y="connsiteY4"/>
+              </a:cxn>
+              <a:cxn ang="0">
+                <a:pos x="connsiteX5" y="connsiteY5"/>
+              </a:cxn>
+              <a:cxn ang="0">
+                <a:pos x="connsiteX6" y="connsiteY6"/>
+              </a:cxn>
+              <a:cxn ang="0">
+                <a:pos x="connsiteX7" y="connsiteY7"/>
+              </a:cxn>
+              <a:cxn ang="0">
+                <a:pos x="connsiteX8" y="connsiteY8"/>
+              </a:cxn>
+              <a:cxn ang="0">
+                <a:pos x="connsiteX9" y="connsiteY9"/>
+              </a:cxn>
+              <a:cxn ang="0">
+                <a:pos x="connsiteX10" y="connsiteY10"/>
+              </a:cxn>
+              <a:cxn ang="0">
+                <a:pos x="connsiteX11" y="connsiteY11"/>
+              </a:cxn>
+              <a:cxn ang="0">
+                <a:pos x="connsiteX12" y="connsiteY12"/>
+              </a:cxn>
+              <a:cxn ang="0">
+                <a:pos x="connsiteX13" y="connsiteY13"/>
+              </a:cxn>
+              <a:cxn ang="0">
+                <a:pos x="connsiteX14" y="connsiteY14"/>
+              </a:cxn>
+              <a:cxn ang="0">
+                <a:pos x="connsiteX15" y="connsiteY15"/>
+              </a:cxn>
+              <a:cxn ang="0">
+                <a:pos x="connsiteX16" y="connsiteY16"/>
+              </a:cxn>
+              <a:cxn ang="0">
+                <a:pos x="connsiteX17" y="connsiteY17"/>
+              </a:cxn>
+              <a:cxn ang="0">
+                <a:pos x="connsiteX18" y="connsiteY18"/>
+              </a:cxn>
+              <a:cxn ang="0">
+                <a:pos x="connsiteX19" y="connsiteY19"/>
+              </a:cxn>
+              <a:cxn ang="0">
+                <a:pos x="connsiteX20" y="connsiteY20"/>
+              </a:cxn>
+              <a:cxn ang="0">
+                <a:pos x="connsiteX21" y="connsiteY21"/>
+              </a:cxn>
+              <a:cxn ang="0">
+                <a:pos x="connsiteX22" y="connsiteY22"/>
+              </a:cxn>
+              <a:cxn ang="0">
+                <a:pos x="connsiteX23" y="connsiteY23"/>
+              </a:cxn>
+              <a:cxn ang="0">
+                <a:pos x="connsiteX24" y="connsiteY24"/>
+              </a:cxn>
+              <a:cxn ang="0">
+                <a:pos x="connsiteX25" y="connsiteY25"/>
+              </a:cxn>
+              <a:cxn ang="0">
+                <a:pos x="connsiteX26" y="connsiteY26"/>
+              </a:cxn>
+              <a:cxn ang="0">
+                <a:pos x="connsiteX27" y="connsiteY27"/>
+              </a:cxn>
+              <a:cxn ang="0">
+                <a:pos x="connsiteX28" y="connsiteY28"/>
+              </a:cxn>
+              <a:cxn ang="0">
+                <a:pos x="connsiteX29" y="connsiteY29"/>
+              </a:cxn>
+              <a:cxn ang="0">
+                <a:pos x="connsiteX30" y="connsiteY30"/>
+              </a:cxn>
+              <a:cxn ang="0">
+                <a:pos x="connsiteX31" y="connsiteY31"/>
+              </a:cxn>
+              <a:cxn ang="0">
+                <a:pos x="connsiteX32" y="connsiteY32"/>
+              </a:cxn>
+              <a:cxn ang="0">
+                <a:pos x="connsiteX33" y="connsiteY33"/>
+              </a:cxn>
+              <a:cxn ang="0">
+                <a:pos x="connsiteX34" y="connsiteY34"/>
+              </a:cxn>
+              <a:cxn ang="0">
+                <a:pos x="connsiteX35" y="connsiteY35"/>
+              </a:cxn>
+            </a:cxnLst>
+            <a:rect l="l" t="t" r="r" b="b"/>
+            <a:pathLst>
+              <a:path w="559472" h="3709642">
+                <a:moveTo>
+                  <a:pt x="0" y="0"/>
+                </a:moveTo>
+                <a:lnTo>
+                  <a:pt x="473952" y="0"/>
+                </a:lnTo>
+                <a:lnTo>
+                  <a:pt x="485840" y="161194"/>
+                </a:lnTo>
+                <a:cubicBezTo>
+                  <a:pt x="552063" y="1147770"/>
+                  <a:pt x="592441" y="3086737"/>
+                  <a:pt x="523949" y="3672197"/>
+                </a:cubicBezTo>
+                <a:cubicBezTo>
+                  <a:pt x="500842" y="3684557"/>
+                  <a:pt x="477855" y="3697282"/>
+                  <a:pt x="454748" y="3709642"/>
+                </a:cubicBezTo>
+                <a:lnTo>
+                  <a:pt x="448224" y="3510471"/>
+                </a:lnTo>
+                <a:lnTo>
+                  <a:pt x="443564" y="3408563"/>
+                </a:lnTo>
+                <a:lnTo>
+                  <a:pt x="438902" y="3304407"/>
+                </a:lnTo>
+                <a:lnTo>
+                  <a:pt x="433941" y="3198777"/>
+                </a:lnTo>
+                <a:lnTo>
+                  <a:pt x="427584" y="3092510"/>
+                </a:lnTo>
+                <a:lnTo>
+                  <a:pt x="420988" y="2984390"/>
+                </a:lnTo>
+                <a:lnTo>
+                  <a:pt x="414330" y="2874401"/>
+                </a:lnTo>
+                <a:lnTo>
+                  <a:pt x="406840" y="2762980"/>
+                </a:lnTo>
+                <a:lnTo>
+                  <a:pt x="397745" y="2650566"/>
+                </a:lnTo>
+                <a:lnTo>
+                  <a:pt x="389154" y="2536612"/>
+                </a:lnTo>
+                <a:lnTo>
+                  <a:pt x="379225" y="2421642"/>
+                </a:lnTo>
+                <a:lnTo>
+                  <a:pt x="368316" y="2305627"/>
+                </a:lnTo>
+                <a:lnTo>
+                  <a:pt x="357466" y="2189233"/>
+                </a:lnTo>
+                <a:lnTo>
+                  <a:pt x="344982" y="2071473"/>
+                </a:lnTo>
+                <a:lnTo>
+                  <a:pt x="332466" y="1952216"/>
+                </a:lnTo>
+                <a:lnTo>
+                  <a:pt x="319121" y="1833776"/>
+                </a:lnTo>
+                <a:lnTo>
+                  <a:pt x="304408" y="1713948"/>
+                </a:lnTo>
+                <a:lnTo>
+                  <a:pt x="288685" y="1592703"/>
+                </a:lnTo>
+                <a:lnTo>
+                  <a:pt x="273050" y="1471451"/>
+                </a:lnTo>
+                <a:lnTo>
+                  <a:pt x="255813" y="1350328"/>
+                </a:lnTo>
+                <a:lnTo>
+                  <a:pt x="237060" y="1227080"/>
+                </a:lnTo>
+                <a:lnTo>
+                  <a:pt x="218488" y="1106065"/>
+                </a:lnTo>
+                <a:lnTo>
+                  <a:pt x="198221" y="982940"/>
+                </a:lnTo>
+                <a:lnTo>
+                  <a:pt x="177152" y="858755"/>
+                </a:lnTo>
+                <a:lnTo>
+                  <a:pt x="155551" y="736861"/>
+                </a:lnTo>
+                <a:lnTo>
+                  <a:pt x="131782" y="613645"/>
+                </a:lnTo>
+                <a:lnTo>
+                  <a:pt x="107123" y="490500"/>
+                </a:lnTo>
+                <a:lnTo>
+                  <a:pt x="82552" y="367348"/>
+                </a:lnTo>
+                <a:lnTo>
+                  <a:pt x="55608" y="244762"/>
+                </a:lnTo>
+                <a:lnTo>
+                  <a:pt x="28130" y="122220"/>
+                </a:lnTo>
+                <a:lnTo>
+                  <a:pt x="0" y="0"/>
+                </a:lnTo>
+                <a:close/>
+              </a:path>
+            </a:pathLst>
+          </a:custGeom>
+          <a:solidFill>
+            <a:schemeClr val="tx1">
+              <a:alpha val="20000"/>
+            </a:schemeClr>
+          </a:solidFill>
+          <a:ln>
+            <a:noFill/>
+          </a:ln>
+        </p:spPr>
+        <p:txBody>
+          <a:bodyPr rtlCol="0" anchor="ctr"/>
+          <a:lstStyle/>
+          <a:p>
+            <a:pPr algn="ctr"/>
+            <a:endParaRPr lang="en-US"/>
+          </a:p>
+        </p:txBody>
+      </p:sp>
+      <p:sp>
+        <p:nvSpPr>
+          <p:cNvPr id="9" name="Freeform 5"/>
+          <p:cNvSpPr>
+            <a:spLocks noGrp="1" noRot="1" noChangeAspect="1" noMove="1" noResize="1" noEditPoints="1" noAdjustHandles="1" noChangeArrowheads="1" noChangeShapeType="1" noTextEdit="1"/>
+          </p:cNvSpPr>
+          <p:nvPr>
+            <p:extLst>
+              <p:ext uri="{386F3935-93C4-4BCD-93E2-E3B085C9AB24}">
+                <p16:designElem xmlns:p16="http://schemas.microsoft.com/office/powerpoint/2015/main" val="1"/>
+              </p:ext>
+            </p:extLst>
+          </p:nvPr>
+        </p:nvSpPr>
+        <p:spPr bwMode="gray">
+          <a:xfrm rot="16200000">
+            <a:off x="3906400" y="2756642"/>
+            <a:ext cx="6858000" cy="1344715"/>
+          </a:xfrm>
+          <a:custGeom>
+            <a:avLst/>
+            <a:gdLst/>
+            <a:ahLst/>
+            <a:cxnLst/>
+            <a:rect l="l" t="t" r="r" b="b"/>
+            <a:pathLst>
+              <a:path w="10000" h="8000">
+                <a:moveTo>
+                  <a:pt x="0" y="0"/>
+                </a:moveTo>
+                <a:lnTo>
+                  <a:pt x="0" y="7970"/>
+                </a:lnTo>
+                <a:lnTo>
+                  <a:pt x="10000" y="8000"/>
+                </a:lnTo>
+                <a:lnTo>
+                  <a:pt x="10000" y="7"/>
+                </a:lnTo>
+                <a:lnTo>
+                  <a:pt x="10000" y="7"/>
+                </a:lnTo>
+                <a:lnTo>
+                  <a:pt x="9773" y="156"/>
+                </a:lnTo>
+                <a:lnTo>
+                  <a:pt x="9547" y="298"/>
+                </a:lnTo>
+                <a:lnTo>
+                  <a:pt x="9320" y="437"/>
+                </a:lnTo>
+                <a:lnTo>
+                  <a:pt x="9092" y="556"/>
+                </a:lnTo>
+                <a:lnTo>
+                  <a:pt x="8865" y="676"/>
+                </a:lnTo>
+                <a:lnTo>
+                  <a:pt x="8637" y="788"/>
+                </a:lnTo>
+                <a:lnTo>
+                  <a:pt x="8412" y="884"/>
+                </a:lnTo>
+                <a:lnTo>
+                  <a:pt x="8184" y="975"/>
+                </a:lnTo>
+                <a:lnTo>
+                  <a:pt x="7957" y="1058"/>
+                </a:lnTo>
+                <a:lnTo>
+                  <a:pt x="7734" y="1130"/>
+                </a:lnTo>
+                <a:lnTo>
+                  <a:pt x="7508" y="1202"/>
+                </a:lnTo>
+                <a:lnTo>
+                  <a:pt x="7285" y="1262"/>
+                </a:lnTo>
+                <a:lnTo>
+                  <a:pt x="7062" y="1309"/>
+                </a:lnTo>
+                <a:lnTo>
+                  <a:pt x="6840" y="1358"/>
+                </a:lnTo>
+                <a:lnTo>
+                  <a:pt x="6620" y="1399"/>
+                </a:lnTo>
+                <a:lnTo>
+                  <a:pt x="6402" y="1428"/>
+                </a:lnTo>
+                <a:lnTo>
+                  <a:pt x="6184" y="1453"/>
+                </a:lnTo>
+                <a:lnTo>
+                  <a:pt x="5968" y="1477"/>
+                </a:lnTo>
+                <a:lnTo>
+                  <a:pt x="5755" y="1488"/>
+                </a:lnTo>
+                <a:lnTo>
+                  <a:pt x="5542" y="1500"/>
+                </a:lnTo>
+                <a:lnTo>
+                  <a:pt x="5332" y="1506"/>
+                </a:lnTo>
+                <a:lnTo>
+                  <a:pt x="5124" y="1500"/>
+                </a:lnTo>
+                <a:lnTo>
+                  <a:pt x="4918" y="1500"/>
+                </a:lnTo>
+                <a:lnTo>
+                  <a:pt x="4714" y="1488"/>
+                </a:lnTo>
+                <a:lnTo>
+                  <a:pt x="4514" y="1470"/>
+                </a:lnTo>
+                <a:lnTo>
+                  <a:pt x="4316" y="1453"/>
+                </a:lnTo>
+                <a:lnTo>
+                  <a:pt x="4122" y="1434"/>
+                </a:lnTo>
+                <a:lnTo>
+                  <a:pt x="3929" y="1405"/>
+                </a:lnTo>
+                <a:lnTo>
+                  <a:pt x="3739" y="1374"/>
+                </a:lnTo>
+                <a:lnTo>
+                  <a:pt x="3553" y="1346"/>
+                </a:lnTo>
+                <a:lnTo>
+                  <a:pt x="3190" y="1267"/>
+                </a:lnTo>
+                <a:lnTo>
+                  <a:pt x="2842" y="1183"/>
+                </a:lnTo>
+                <a:lnTo>
+                  <a:pt x="2508" y="1095"/>
+                </a:lnTo>
+                <a:lnTo>
+                  <a:pt x="2192" y="998"/>
+                </a:lnTo>
+                <a:lnTo>
+                  <a:pt x="1890" y="897"/>
+                </a:lnTo>
+                <a:lnTo>
+                  <a:pt x="1610" y="788"/>
+                </a:lnTo>
+                <a:lnTo>
+                  <a:pt x="1347" y="681"/>
+                </a:lnTo>
+                <a:lnTo>
+                  <a:pt x="1105" y="574"/>
+                </a:lnTo>
+                <a:lnTo>
+                  <a:pt x="883" y="473"/>
+                </a:lnTo>
+                <a:lnTo>
+                  <a:pt x="686" y="377"/>
+                </a:lnTo>
+                <a:lnTo>
+                  <a:pt x="508" y="286"/>
+                </a:lnTo>
+                <a:lnTo>
+                  <a:pt x="358" y="210"/>
+                </a:lnTo>
+                <a:lnTo>
+                  <a:pt x="232" y="138"/>
+                </a:lnTo>
+                <a:lnTo>
+                  <a:pt x="59" y="35"/>
+                </a:lnTo>
+                <a:lnTo>
+                  <a:pt x="0" y="0"/>
+                </a:lnTo>
+                <a:lnTo>
+                  <a:pt x="0" y="0"/>
+                </a:lnTo>
+                <a:close/>
+              </a:path>
+            </a:pathLst>
+          </a:custGeom>
+          <a:solidFill>
+            <a:srgbClr val="FFFFFF"/>
+          </a:solidFill>
+          <a:ln>
+            <a:noFill/>
+          </a:ln>
+        </p:spPr>
+      </p:sp>
+      <p:pic>
+        <p:nvPicPr>
+          <p:cNvPr id="5" name="Grafik 4"/>
+          <p:cNvPicPr>
+            <a:picLocks noChangeAspect="1"/>
+          </p:cNvPicPr>
+          <p:nvPr/>
+        </p:nvPicPr>
+        <p:blipFill>
+          <a:blip r:embed="rId3"/>
+          <a:stretch>
+            <a:fillRect/>
+          </a:stretch>
+        </p:blipFill>
+        <p:spPr>
+          <a:xfrm>
+            <a:off x="7563742" y="1394856"/>
+            <a:ext cx="3980139" cy="4068285"/>
+          </a:xfrm>
+          <a:prstGeom prst="rect">
+            <a:avLst/>
+          </a:prstGeom>
+          <a:effectLst/>
+        </p:spPr>
+      </p:pic>
+      <p:sp>
+        <p:nvSpPr>
+          <p:cNvPr id="10" name="Rectangle 9"/>
+          <p:cNvSpPr>
+            <a:spLocks noGrp="1" noRot="1" noChangeAspect="1" noMove="1" noResize="1" noEditPoints="1" noAdjustHandles="1" noChangeArrowheads="1" noChangeShapeType="1" noTextEdit="1"/>
+          </p:cNvSpPr>
+          <p:nvPr>
+            <p:extLst>
+              <p:ext uri="{386F3935-93C4-4BCD-93E2-E3B085C9AB24}">
+                <p16:designElem xmlns:p16="http://schemas.microsoft.com/office/powerpoint/2015/main" val="1"/>
+              </p:ext>
+            </p:extLst>
+          </p:nvPr>
+        </p:nvSpPr>
+        <p:spPr>
+          <a:xfrm>
+            <a:off x="10442448" y="0"/>
+            <a:ext cx="685800" cy="1143000"/>
+          </a:xfrm>
+          <a:prstGeom prst="rect">
+            <a:avLst/>
+          </a:prstGeom>
+          <a:solidFill>
+            <a:schemeClr val="accent1"/>
+          </a:solidFill>
+          <a:ln>
+            <a:noFill/>
+          </a:ln>
+        </p:spPr>
+        <p:style>
+          <a:lnRef idx="1">
+            <a:schemeClr val="accent1"/>
+          </a:lnRef>
+          <a:fillRef idx="3">
+            <a:schemeClr val="accent1"/>
+          </a:fillRef>
+          <a:effectRef idx="2">
+            <a:schemeClr val="accent1"/>
+          </a:effectRef>
+          <a:fontRef idx="minor">
+            <a:schemeClr val="lt1"/>
+          </a:fontRef>
+        </p:style>
+      </p:sp>
+      <p:sp>
+        <p:nvSpPr>
+          <p:cNvPr id="2" name="Titel 1"/>
+          <p:cNvSpPr>
+            <a:spLocks noGrp="1"/>
+          </p:cNvSpPr>
+          <p:nvPr>
+            <p:ph type="title"/>
+          </p:nvPr>
+        </p:nvSpPr>
+        <p:spPr>
+          <a:xfrm>
+            <a:off x="648930" y="629266"/>
+            <a:ext cx="5616217" cy="1622321"/>
+          </a:xfrm>
+        </p:spPr>
+        <p:txBody>
+          <a:bodyPr>
+            <a:noAutofit/>
+          </a:bodyPr>
+          <a:lstStyle/>
+          <a:p>
+            <a:pPr>
+              <a:lnSpc>
+                <a:spcPct val="80000"/>
+              </a:lnSpc>
+            </a:pPr>
+            <a:r>
+              <a:rPr lang="de-DE" sz="3900" dirty="0"/>
+              <a:t>Wie sieht der Sinus und Cosinus heute aus?</a:t>
+            </a:r>
+          </a:p>
+        </p:txBody>
+      </p:sp>
+    </p:spTree>
+    <p:extLst>
+      <p:ext uri="{BB962C8B-B14F-4D97-AF65-F5344CB8AC3E}">
+        <p14:creationId xmlns:p14="http://schemas.microsoft.com/office/powerpoint/2010/main" val="1194738233"/>
+      </p:ext>
+    </p:extLst>
+  </p:cSld>
+  <p:clrMapOvr>
+    <a:masterClrMapping/>
+  </p:clrMapOvr>
+  <mc:AlternateContent xmlns:mc="http://schemas.openxmlformats.org/markup-compatibility/2006">
+    <mc:Choice xmlns:p14="http://schemas.microsoft.com/office/powerpoint/2010/main" Requires="p14">
+      <p:transition spd="med" p14:dur="700">
+        <p:fade/>
+      </p:transition>
+    </mc:Choice>
+    <mc:Fallback>
+      <p:transition spd="med">
+        <p:fade/>
+      </p:transition>
+    </mc:Fallback>
+  </mc:AlternateContent>
 </p:sld>
 </file>
 
@@ -8420,6 +9867,18 @@
   <p:clrMapOvr>
     <a:masterClrMapping/>
   </p:clrMapOvr>
+  <mc:AlternateContent xmlns:mc="http://schemas.openxmlformats.org/markup-compatibility/2006">
+    <mc:Choice xmlns:p14="http://schemas.microsoft.com/office/powerpoint/2010/main" Requires="p14">
+      <p:transition spd="med" p14:dur="700">
+        <p:fade/>
+      </p:transition>
+    </mc:Choice>
+    <mc:Fallback>
+      <p:transition spd="med">
+        <p:fade/>
+      </p:transition>
+    </mc:Fallback>
+  </mc:AlternateContent>
 </p:sld>
 </file>
 
@@ -8500,6 +9959,28 @@
               <a:t>Geometrische Sehnen</a:t>
             </a:r>
           </a:p>
+          <a:p>
+            <a:pPr lvl="1"/>
+            <a:r>
+              <a:rPr lang="de-DE" dirty="0"/>
+              <a:t>Sinustrigonometrie der Inder</a:t>
+            </a:r>
+          </a:p>
+          <a:p>
+            <a:pPr lvl="1"/>
+            <a:r>
+              <a:rPr lang="de-DE" dirty="0"/>
+              <a:t>Die Vervollständigung durch die Araber</a:t>
+            </a:r>
+          </a:p>
+          <a:p>
+            <a:pPr lvl="1"/>
+            <a:endParaRPr lang="de-DE" dirty="0"/>
+          </a:p>
+          <a:p>
+            <a:pPr lvl="1"/>
+            <a:endParaRPr lang="de-DE" dirty="0"/>
+          </a:p>
         </p:txBody>
       </p:sp>
     </p:spTree>
@@ -8512,6 +9993,18 @@
   <p:clrMapOvr>
     <a:masterClrMapping/>
   </p:clrMapOvr>
+  <mc:AlternateContent xmlns:mc="http://schemas.openxmlformats.org/markup-compatibility/2006">
+    <mc:Choice xmlns:p14="http://schemas.microsoft.com/office/powerpoint/2010/main" Requires="p14">
+      <p:transition spd="med" p14:dur="700">
+        <p:fade/>
+      </p:transition>
+    </mc:Choice>
+    <mc:Fallback>
+      <p:transition spd="med">
+        <p:fade/>
+      </p:transition>
+    </mc:Fallback>
+  </mc:AlternateContent>
 </p:sld>
 </file>
 
@@ -8685,6 +10178,295 @@
   <p:clrMapOvr>
     <a:masterClrMapping/>
   </p:clrMapOvr>
+  <mc:AlternateContent xmlns:mc="http://schemas.openxmlformats.org/markup-compatibility/2006">
+    <mc:Choice xmlns:p14="http://schemas.microsoft.com/office/powerpoint/2010/main" Requires="p14">
+      <p:transition spd="med" p14:dur="700">
+        <p:fade/>
+      </p:transition>
+    </mc:Choice>
+    <mc:Fallback>
+      <p:transition spd="med">
+        <p:fade/>
+      </p:transition>
+    </mc:Fallback>
+  </mc:AlternateContent>
+  <p:timing>
+    <p:tnLst>
+      <p:par>
+        <p:cTn id="1" dur="indefinite" restart="never" nodeType="tmRoot">
+          <p:childTnLst>
+            <p:seq concurrent="1" nextAc="seek">
+              <p:cTn id="2" dur="indefinite" nodeType="mainSeq">
+                <p:childTnLst>
+                  <p:par>
+                    <p:cTn id="3" fill="hold">
+                      <p:stCondLst>
+                        <p:cond delay="indefinite"/>
+                      </p:stCondLst>
+                      <p:childTnLst>
+                        <p:par>
+                          <p:cTn id="4" fill="hold">
+                            <p:stCondLst>
+                              <p:cond delay="0"/>
+                            </p:stCondLst>
+                            <p:childTnLst>
+                              <p:par>
+                                <p:cTn id="5" presetID="10" presetClass="entr" presetSubtype="0" fill="hold" grpId="0" nodeType="clickEffect">
+                                  <p:stCondLst>
+                                    <p:cond delay="0"/>
+                                  </p:stCondLst>
+                                  <p:childTnLst>
+                                    <p:set>
+                                      <p:cBhvr>
+                                        <p:cTn id="6" dur="1" fill="hold">
+                                          <p:stCondLst>
+                                            <p:cond delay="0"/>
+                                          </p:stCondLst>
+                                        </p:cTn>
+                                        <p:tgtEl>
+                                          <p:spTgt spid="3">
+                                            <p:txEl>
+                                              <p:pRg st="0" end="0"/>
+                                            </p:txEl>
+                                          </p:spTgt>
+                                        </p:tgtEl>
+                                        <p:attrNameLst>
+                                          <p:attrName>style.visibility</p:attrName>
+                                        </p:attrNameLst>
+                                      </p:cBhvr>
+                                      <p:to>
+                                        <p:strVal val="visible"/>
+                                      </p:to>
+                                    </p:set>
+                                    <p:animEffect transition="in" filter="fade">
+                                      <p:cBhvr>
+                                        <p:cTn id="7" dur="500"/>
+                                        <p:tgtEl>
+                                          <p:spTgt spid="3">
+                                            <p:txEl>
+                                              <p:pRg st="0" end="0"/>
+                                            </p:txEl>
+                                          </p:spTgt>
+                                        </p:tgtEl>
+                                      </p:cBhvr>
+                                    </p:animEffect>
+                                  </p:childTnLst>
+                                </p:cTn>
+                              </p:par>
+                            </p:childTnLst>
+                          </p:cTn>
+                        </p:par>
+                      </p:childTnLst>
+                    </p:cTn>
+                  </p:par>
+                  <p:par>
+                    <p:cTn id="8" fill="hold">
+                      <p:stCondLst>
+                        <p:cond delay="indefinite"/>
+                      </p:stCondLst>
+                      <p:childTnLst>
+                        <p:par>
+                          <p:cTn id="9" fill="hold">
+                            <p:stCondLst>
+                              <p:cond delay="0"/>
+                            </p:stCondLst>
+                            <p:childTnLst>
+                              <p:par>
+                                <p:cTn id="10" presetID="10" presetClass="entr" presetSubtype="0" fill="hold" grpId="0" nodeType="clickEffect">
+                                  <p:stCondLst>
+                                    <p:cond delay="0"/>
+                                  </p:stCondLst>
+                                  <p:childTnLst>
+                                    <p:set>
+                                      <p:cBhvr>
+                                        <p:cTn id="11" dur="1" fill="hold">
+                                          <p:stCondLst>
+                                            <p:cond delay="0"/>
+                                          </p:stCondLst>
+                                        </p:cTn>
+                                        <p:tgtEl>
+                                          <p:spTgt spid="3">
+                                            <p:txEl>
+                                              <p:pRg st="2" end="2"/>
+                                            </p:txEl>
+                                          </p:spTgt>
+                                        </p:tgtEl>
+                                        <p:attrNameLst>
+                                          <p:attrName>style.visibility</p:attrName>
+                                        </p:attrNameLst>
+                                      </p:cBhvr>
+                                      <p:to>
+                                        <p:strVal val="visible"/>
+                                      </p:to>
+                                    </p:set>
+                                    <p:animEffect transition="in" filter="fade">
+                                      <p:cBhvr>
+                                        <p:cTn id="12" dur="500"/>
+                                        <p:tgtEl>
+                                          <p:spTgt spid="3">
+                                            <p:txEl>
+                                              <p:pRg st="2" end="2"/>
+                                            </p:txEl>
+                                          </p:spTgt>
+                                        </p:tgtEl>
+                                      </p:cBhvr>
+                                    </p:animEffect>
+                                  </p:childTnLst>
+                                </p:cTn>
+                              </p:par>
+                            </p:childTnLst>
+                          </p:cTn>
+                        </p:par>
+                      </p:childTnLst>
+                    </p:cTn>
+                  </p:par>
+                  <p:par>
+                    <p:cTn id="13" fill="hold">
+                      <p:stCondLst>
+                        <p:cond delay="indefinite"/>
+                      </p:stCondLst>
+                      <p:childTnLst>
+                        <p:par>
+                          <p:cTn id="14" fill="hold">
+                            <p:stCondLst>
+                              <p:cond delay="0"/>
+                            </p:stCondLst>
+                            <p:childTnLst>
+                              <p:par>
+                                <p:cTn id="15" presetID="10" presetClass="entr" presetSubtype="0" fill="hold" grpId="0" nodeType="clickEffect">
+                                  <p:stCondLst>
+                                    <p:cond delay="0"/>
+                                  </p:stCondLst>
+                                  <p:childTnLst>
+                                    <p:set>
+                                      <p:cBhvr>
+                                        <p:cTn id="16" dur="1" fill="hold">
+                                          <p:stCondLst>
+                                            <p:cond delay="0"/>
+                                          </p:stCondLst>
+                                        </p:cTn>
+                                        <p:tgtEl>
+                                          <p:spTgt spid="3">
+                                            <p:txEl>
+                                              <p:pRg st="3" end="3"/>
+                                            </p:txEl>
+                                          </p:spTgt>
+                                        </p:tgtEl>
+                                        <p:attrNameLst>
+                                          <p:attrName>style.visibility</p:attrName>
+                                        </p:attrNameLst>
+                                      </p:cBhvr>
+                                      <p:to>
+                                        <p:strVal val="visible"/>
+                                      </p:to>
+                                    </p:set>
+                                    <p:animEffect transition="in" filter="fade">
+                                      <p:cBhvr>
+                                        <p:cTn id="17" dur="500"/>
+                                        <p:tgtEl>
+                                          <p:spTgt spid="3">
+                                            <p:txEl>
+                                              <p:pRg st="3" end="3"/>
+                                            </p:txEl>
+                                          </p:spTgt>
+                                        </p:tgtEl>
+                                      </p:cBhvr>
+                                    </p:animEffect>
+                                  </p:childTnLst>
+                                </p:cTn>
+                              </p:par>
+                            </p:childTnLst>
+                          </p:cTn>
+                        </p:par>
+                      </p:childTnLst>
+                    </p:cTn>
+                  </p:par>
+                  <p:par>
+                    <p:cTn id="18" fill="hold">
+                      <p:stCondLst>
+                        <p:cond delay="indefinite"/>
+                      </p:stCondLst>
+                      <p:childTnLst>
+                        <p:par>
+                          <p:cTn id="19" fill="hold">
+                            <p:stCondLst>
+                              <p:cond delay="0"/>
+                            </p:stCondLst>
+                            <p:childTnLst>
+                              <p:par>
+                                <p:cTn id="20" presetID="10" presetClass="entr" presetSubtype="0" fill="hold" grpId="0" nodeType="clickEffect">
+                                  <p:stCondLst>
+                                    <p:cond delay="0"/>
+                                  </p:stCondLst>
+                                  <p:childTnLst>
+                                    <p:set>
+                                      <p:cBhvr>
+                                        <p:cTn id="21" dur="1" fill="hold">
+                                          <p:stCondLst>
+                                            <p:cond delay="0"/>
+                                          </p:stCondLst>
+                                        </p:cTn>
+                                        <p:tgtEl>
+                                          <p:spTgt spid="3">
+                                            <p:txEl>
+                                              <p:pRg st="4" end="4"/>
+                                            </p:txEl>
+                                          </p:spTgt>
+                                        </p:tgtEl>
+                                        <p:attrNameLst>
+                                          <p:attrName>style.visibility</p:attrName>
+                                        </p:attrNameLst>
+                                      </p:cBhvr>
+                                      <p:to>
+                                        <p:strVal val="visible"/>
+                                      </p:to>
+                                    </p:set>
+                                    <p:animEffect transition="in" filter="fade">
+                                      <p:cBhvr>
+                                        <p:cTn id="22" dur="500"/>
+                                        <p:tgtEl>
+                                          <p:spTgt spid="3">
+                                            <p:txEl>
+                                              <p:pRg st="4" end="4"/>
+                                            </p:txEl>
+                                          </p:spTgt>
+                                        </p:tgtEl>
+                                      </p:cBhvr>
+                                    </p:animEffect>
+                                  </p:childTnLst>
+                                </p:cTn>
+                              </p:par>
+                            </p:childTnLst>
+                          </p:cTn>
+                        </p:par>
+                      </p:childTnLst>
+                    </p:cTn>
+                  </p:par>
+                </p:childTnLst>
+              </p:cTn>
+              <p:prevCondLst>
+                <p:cond evt="onPrev" delay="0">
+                  <p:tgtEl>
+                    <p:sldTgt/>
+                  </p:tgtEl>
+                </p:cond>
+              </p:prevCondLst>
+              <p:nextCondLst>
+                <p:cond evt="onNext" delay="0">
+                  <p:tgtEl>
+                    <p:sldTgt/>
+                  </p:tgtEl>
+                </p:cond>
+              </p:nextCondLst>
+            </p:seq>
+          </p:childTnLst>
+        </p:cTn>
+      </p:par>
+    </p:tnLst>
+    <p:bldLst>
+      <p:bldP spid="3" grpId="0" uiExpand="1" build="p"/>
+    </p:bldLst>
+  </p:timing>
 </p:sld>
 </file>
 
@@ -8923,6 +10705,417 @@
   <p:clrMapOvr>
     <a:masterClrMapping/>
   </p:clrMapOvr>
+  <mc:AlternateContent xmlns:mc="http://schemas.openxmlformats.org/markup-compatibility/2006">
+    <mc:Choice xmlns:p14="http://schemas.microsoft.com/office/powerpoint/2010/main" Requires="p14">
+      <p:transition spd="med" p14:dur="700">
+        <p:fade/>
+      </p:transition>
+    </mc:Choice>
+    <mc:Fallback>
+      <p:transition spd="med">
+        <p:fade/>
+      </p:transition>
+    </mc:Fallback>
+  </mc:AlternateContent>
+  <p:timing>
+    <p:tnLst>
+      <p:par>
+        <p:cTn id="1" dur="indefinite" restart="never" nodeType="tmRoot">
+          <p:childTnLst>
+            <p:seq concurrent="1" nextAc="seek">
+              <p:cTn id="2" dur="indefinite" nodeType="mainSeq">
+                <p:childTnLst>
+                  <p:par>
+                    <p:cTn id="3" fill="hold">
+                      <p:stCondLst>
+                        <p:cond delay="indefinite"/>
+                      </p:stCondLst>
+                      <p:childTnLst>
+                        <p:par>
+                          <p:cTn id="4" fill="hold">
+                            <p:stCondLst>
+                              <p:cond delay="0"/>
+                            </p:stCondLst>
+                            <p:childTnLst>
+                              <p:par>
+                                <p:cTn id="5" presetID="10" presetClass="entr" presetSubtype="0" fill="hold" grpId="0" nodeType="clickEffect">
+                                  <p:stCondLst>
+                                    <p:cond delay="0"/>
+                                  </p:stCondLst>
+                                  <p:childTnLst>
+                                    <p:set>
+                                      <p:cBhvr>
+                                        <p:cTn id="6" dur="1" fill="hold">
+                                          <p:stCondLst>
+                                            <p:cond delay="0"/>
+                                          </p:stCondLst>
+                                        </p:cTn>
+                                        <p:tgtEl>
+                                          <p:spTgt spid="3">
+                                            <p:txEl>
+                                              <p:pRg st="0" end="0"/>
+                                            </p:txEl>
+                                          </p:spTgt>
+                                        </p:tgtEl>
+                                        <p:attrNameLst>
+                                          <p:attrName>style.visibility</p:attrName>
+                                        </p:attrNameLst>
+                                      </p:cBhvr>
+                                      <p:to>
+                                        <p:strVal val="visible"/>
+                                      </p:to>
+                                    </p:set>
+                                    <p:animEffect transition="in" filter="fade">
+                                      <p:cBhvr>
+                                        <p:cTn id="7" dur="500"/>
+                                        <p:tgtEl>
+                                          <p:spTgt spid="3">
+                                            <p:txEl>
+                                              <p:pRg st="0" end="0"/>
+                                            </p:txEl>
+                                          </p:spTgt>
+                                        </p:tgtEl>
+                                      </p:cBhvr>
+                                    </p:animEffect>
+                                  </p:childTnLst>
+                                </p:cTn>
+                              </p:par>
+                            </p:childTnLst>
+                          </p:cTn>
+                        </p:par>
+                      </p:childTnLst>
+                    </p:cTn>
+                  </p:par>
+                  <p:par>
+                    <p:cTn id="8" fill="hold">
+                      <p:stCondLst>
+                        <p:cond delay="indefinite"/>
+                      </p:stCondLst>
+                      <p:childTnLst>
+                        <p:par>
+                          <p:cTn id="9" fill="hold">
+                            <p:stCondLst>
+                              <p:cond delay="0"/>
+                            </p:stCondLst>
+                            <p:childTnLst>
+                              <p:par>
+                                <p:cTn id="10" presetID="10" presetClass="entr" presetSubtype="0" fill="hold" grpId="0" nodeType="clickEffect">
+                                  <p:stCondLst>
+                                    <p:cond delay="0"/>
+                                  </p:stCondLst>
+                                  <p:childTnLst>
+                                    <p:set>
+                                      <p:cBhvr>
+                                        <p:cTn id="11" dur="1" fill="hold">
+                                          <p:stCondLst>
+                                            <p:cond delay="0"/>
+                                          </p:stCondLst>
+                                        </p:cTn>
+                                        <p:tgtEl>
+                                          <p:spTgt spid="3">
+                                            <p:txEl>
+                                              <p:pRg st="2" end="2"/>
+                                            </p:txEl>
+                                          </p:spTgt>
+                                        </p:tgtEl>
+                                        <p:attrNameLst>
+                                          <p:attrName>style.visibility</p:attrName>
+                                        </p:attrNameLst>
+                                      </p:cBhvr>
+                                      <p:to>
+                                        <p:strVal val="visible"/>
+                                      </p:to>
+                                    </p:set>
+                                    <p:animEffect transition="in" filter="fade">
+                                      <p:cBhvr>
+                                        <p:cTn id="12" dur="500"/>
+                                        <p:tgtEl>
+                                          <p:spTgt spid="3">
+                                            <p:txEl>
+                                              <p:pRg st="2" end="2"/>
+                                            </p:txEl>
+                                          </p:spTgt>
+                                        </p:tgtEl>
+                                      </p:cBhvr>
+                                    </p:animEffect>
+                                  </p:childTnLst>
+                                </p:cTn>
+                              </p:par>
+                            </p:childTnLst>
+                          </p:cTn>
+                        </p:par>
+                      </p:childTnLst>
+                    </p:cTn>
+                  </p:par>
+                  <p:par>
+                    <p:cTn id="13" fill="hold">
+                      <p:stCondLst>
+                        <p:cond delay="indefinite"/>
+                      </p:stCondLst>
+                      <p:childTnLst>
+                        <p:par>
+                          <p:cTn id="14" fill="hold">
+                            <p:stCondLst>
+                              <p:cond delay="0"/>
+                            </p:stCondLst>
+                            <p:childTnLst>
+                              <p:par>
+                                <p:cTn id="15" presetID="10" presetClass="entr" presetSubtype="0" fill="hold" grpId="0" nodeType="clickEffect">
+                                  <p:stCondLst>
+                                    <p:cond delay="0"/>
+                                  </p:stCondLst>
+                                  <p:childTnLst>
+                                    <p:set>
+                                      <p:cBhvr>
+                                        <p:cTn id="16" dur="1" fill="hold">
+                                          <p:stCondLst>
+                                            <p:cond delay="0"/>
+                                          </p:stCondLst>
+                                        </p:cTn>
+                                        <p:tgtEl>
+                                          <p:spTgt spid="3">
+                                            <p:txEl>
+                                              <p:pRg st="3" end="3"/>
+                                            </p:txEl>
+                                          </p:spTgt>
+                                        </p:tgtEl>
+                                        <p:attrNameLst>
+                                          <p:attrName>style.visibility</p:attrName>
+                                        </p:attrNameLst>
+                                      </p:cBhvr>
+                                      <p:to>
+                                        <p:strVal val="visible"/>
+                                      </p:to>
+                                    </p:set>
+                                    <p:animEffect transition="in" filter="fade">
+                                      <p:cBhvr>
+                                        <p:cTn id="17" dur="500"/>
+                                        <p:tgtEl>
+                                          <p:spTgt spid="3">
+                                            <p:txEl>
+                                              <p:pRg st="3" end="3"/>
+                                            </p:txEl>
+                                          </p:spTgt>
+                                        </p:tgtEl>
+                                      </p:cBhvr>
+                                    </p:animEffect>
+                                  </p:childTnLst>
+                                </p:cTn>
+                              </p:par>
+                            </p:childTnLst>
+                          </p:cTn>
+                        </p:par>
+                      </p:childTnLst>
+                    </p:cTn>
+                  </p:par>
+                  <p:par>
+                    <p:cTn id="18" fill="hold">
+                      <p:stCondLst>
+                        <p:cond delay="indefinite"/>
+                      </p:stCondLst>
+                      <p:childTnLst>
+                        <p:par>
+                          <p:cTn id="19" fill="hold">
+                            <p:stCondLst>
+                              <p:cond delay="0"/>
+                            </p:stCondLst>
+                            <p:childTnLst>
+                              <p:par>
+                                <p:cTn id="20" presetID="10" presetClass="entr" presetSubtype="0" fill="hold" grpId="0" nodeType="clickEffect">
+                                  <p:stCondLst>
+                                    <p:cond delay="0"/>
+                                  </p:stCondLst>
+                                  <p:childTnLst>
+                                    <p:set>
+                                      <p:cBhvr>
+                                        <p:cTn id="21" dur="1" fill="hold">
+                                          <p:stCondLst>
+                                            <p:cond delay="0"/>
+                                          </p:stCondLst>
+                                        </p:cTn>
+                                        <p:tgtEl>
+                                          <p:spTgt spid="3">
+                                            <p:txEl>
+                                              <p:pRg st="5" end="5"/>
+                                            </p:txEl>
+                                          </p:spTgt>
+                                        </p:tgtEl>
+                                        <p:attrNameLst>
+                                          <p:attrName>style.visibility</p:attrName>
+                                        </p:attrNameLst>
+                                      </p:cBhvr>
+                                      <p:to>
+                                        <p:strVal val="visible"/>
+                                      </p:to>
+                                    </p:set>
+                                    <p:animEffect transition="in" filter="fade">
+                                      <p:cBhvr>
+                                        <p:cTn id="22" dur="500"/>
+                                        <p:tgtEl>
+                                          <p:spTgt spid="3">
+                                            <p:txEl>
+                                              <p:pRg st="5" end="5"/>
+                                            </p:txEl>
+                                          </p:spTgt>
+                                        </p:tgtEl>
+                                      </p:cBhvr>
+                                    </p:animEffect>
+                                  </p:childTnLst>
+                                </p:cTn>
+                              </p:par>
+                            </p:childTnLst>
+                          </p:cTn>
+                        </p:par>
+                      </p:childTnLst>
+                    </p:cTn>
+                  </p:par>
+                  <p:par>
+                    <p:cTn id="23" fill="hold">
+                      <p:stCondLst>
+                        <p:cond delay="indefinite"/>
+                      </p:stCondLst>
+                      <p:childTnLst>
+                        <p:par>
+                          <p:cTn id="24" fill="hold">
+                            <p:stCondLst>
+                              <p:cond delay="0"/>
+                            </p:stCondLst>
+                            <p:childTnLst>
+                              <p:par>
+                                <p:cTn id="25" presetID="10" presetClass="entr" presetSubtype="0" fill="hold" grpId="0" nodeType="clickEffect">
+                                  <p:stCondLst>
+                                    <p:cond delay="0"/>
+                                  </p:stCondLst>
+                                  <p:childTnLst>
+                                    <p:set>
+                                      <p:cBhvr>
+                                        <p:cTn id="26" dur="1" fill="hold">
+                                          <p:stCondLst>
+                                            <p:cond delay="0"/>
+                                          </p:stCondLst>
+                                        </p:cTn>
+                                        <p:tgtEl>
+                                          <p:spTgt spid="3">
+                                            <p:txEl>
+                                              <p:pRg st="6" end="6"/>
+                                            </p:txEl>
+                                          </p:spTgt>
+                                        </p:tgtEl>
+                                        <p:attrNameLst>
+                                          <p:attrName>style.visibility</p:attrName>
+                                        </p:attrNameLst>
+                                      </p:cBhvr>
+                                      <p:to>
+                                        <p:strVal val="visible"/>
+                                      </p:to>
+                                    </p:set>
+                                    <p:animEffect transition="in" filter="fade">
+                                      <p:cBhvr>
+                                        <p:cTn id="27" dur="500"/>
+                                        <p:tgtEl>
+                                          <p:spTgt spid="3">
+                                            <p:txEl>
+                                              <p:pRg st="6" end="6"/>
+                                            </p:txEl>
+                                          </p:spTgt>
+                                        </p:tgtEl>
+                                      </p:cBhvr>
+                                    </p:animEffect>
+                                  </p:childTnLst>
+                                </p:cTn>
+                              </p:par>
+                            </p:childTnLst>
+                          </p:cTn>
+                        </p:par>
+                      </p:childTnLst>
+                    </p:cTn>
+                  </p:par>
+                  <p:par>
+                    <p:cTn id="28" fill="hold">
+                      <p:stCondLst>
+                        <p:cond delay="indefinite"/>
+                      </p:stCondLst>
+                      <p:childTnLst>
+                        <p:par>
+                          <p:cTn id="29" fill="hold">
+                            <p:stCondLst>
+                              <p:cond delay="0"/>
+                            </p:stCondLst>
+                            <p:childTnLst>
+                              <p:par>
+                                <p:cTn id="30" presetID="10" presetClass="entr" presetSubtype="0" fill="hold" grpId="0" nodeType="clickEffect">
+                                  <p:stCondLst>
+                                    <p:cond delay="0"/>
+                                  </p:stCondLst>
+                                  <p:childTnLst>
+                                    <p:set>
+                                      <p:cBhvr>
+                                        <p:cTn id="31" dur="1" fill="hold">
+                                          <p:stCondLst>
+                                            <p:cond delay="0"/>
+                                          </p:stCondLst>
+                                        </p:cTn>
+                                        <p:tgtEl>
+                                          <p:spTgt spid="3">
+                                            <p:txEl>
+                                              <p:pRg st="8" end="8"/>
+                                            </p:txEl>
+                                          </p:spTgt>
+                                        </p:tgtEl>
+                                        <p:attrNameLst>
+                                          <p:attrName>style.visibility</p:attrName>
+                                        </p:attrNameLst>
+                                      </p:cBhvr>
+                                      <p:to>
+                                        <p:strVal val="visible"/>
+                                      </p:to>
+                                    </p:set>
+                                    <p:animEffect transition="in" filter="fade">
+                                      <p:cBhvr>
+                                        <p:cTn id="32" dur="500"/>
+                                        <p:tgtEl>
+                                          <p:spTgt spid="3">
+                                            <p:txEl>
+                                              <p:pRg st="8" end="8"/>
+                                            </p:txEl>
+                                          </p:spTgt>
+                                        </p:tgtEl>
+                                      </p:cBhvr>
+                                    </p:animEffect>
+                                  </p:childTnLst>
+                                </p:cTn>
+                              </p:par>
+                            </p:childTnLst>
+                          </p:cTn>
+                        </p:par>
+                      </p:childTnLst>
+                    </p:cTn>
+                  </p:par>
+                </p:childTnLst>
+              </p:cTn>
+              <p:prevCondLst>
+                <p:cond evt="onPrev" delay="0">
+                  <p:tgtEl>
+                    <p:sldTgt/>
+                  </p:tgtEl>
+                </p:cond>
+              </p:prevCondLst>
+              <p:nextCondLst>
+                <p:cond evt="onNext" delay="0">
+                  <p:tgtEl>
+                    <p:sldTgt/>
+                  </p:tgtEl>
+                </p:cond>
+              </p:nextCondLst>
+            </p:seq>
+          </p:childTnLst>
+        </p:cTn>
+      </p:par>
+    </p:tnLst>
+    <p:bldLst>
+      <p:bldP spid="3" grpId="0" build="p"/>
+    </p:bldLst>
+  </p:timing>
 </p:sld>
 </file>
 
@@ -9111,6 +11304,287 @@
   <p:clrMapOvr>
     <a:masterClrMapping/>
   </p:clrMapOvr>
+  <mc:AlternateContent xmlns:mc="http://schemas.openxmlformats.org/markup-compatibility/2006">
+    <mc:Choice xmlns:p14="http://schemas.microsoft.com/office/powerpoint/2010/main" Requires="p14">
+      <p:transition spd="med" p14:dur="700">
+        <p:fade/>
+      </p:transition>
+    </mc:Choice>
+    <mc:Fallback>
+      <p:transition spd="med">
+        <p:fade/>
+      </p:transition>
+    </mc:Fallback>
+  </mc:AlternateContent>
+  <p:timing>
+    <p:tnLst>
+      <p:par>
+        <p:cTn id="1" dur="indefinite" restart="never" nodeType="tmRoot">
+          <p:childTnLst>
+            <p:seq concurrent="1" nextAc="seek">
+              <p:cTn id="2" dur="indefinite" nodeType="mainSeq">
+                <p:childTnLst>
+                  <p:par>
+                    <p:cTn id="3" fill="hold">
+                      <p:stCondLst>
+                        <p:cond delay="indefinite"/>
+                      </p:stCondLst>
+                      <p:childTnLst>
+                        <p:par>
+                          <p:cTn id="4" fill="hold">
+                            <p:stCondLst>
+                              <p:cond delay="0"/>
+                            </p:stCondLst>
+                            <p:childTnLst>
+                              <p:par>
+                                <p:cTn id="5" presetID="10" presetClass="entr" presetSubtype="0" fill="hold" nodeType="clickEffect">
+                                  <p:stCondLst>
+                                    <p:cond delay="0"/>
+                                  </p:stCondLst>
+                                  <p:childTnLst>
+                                    <p:set>
+                                      <p:cBhvr>
+                                        <p:cTn id="6" dur="1" fill="hold">
+                                          <p:stCondLst>
+                                            <p:cond delay="0"/>
+                                          </p:stCondLst>
+                                        </p:cTn>
+                                        <p:tgtEl>
+                                          <p:spTgt spid="13"/>
+                                        </p:tgtEl>
+                                        <p:attrNameLst>
+                                          <p:attrName>style.visibility</p:attrName>
+                                        </p:attrNameLst>
+                                      </p:cBhvr>
+                                      <p:to>
+                                        <p:strVal val="visible"/>
+                                      </p:to>
+                                    </p:set>
+                                    <p:animEffect transition="in" filter="fade">
+                                      <p:cBhvr>
+                                        <p:cTn id="7" dur="500"/>
+                                        <p:tgtEl>
+                                          <p:spTgt spid="13"/>
+                                        </p:tgtEl>
+                                      </p:cBhvr>
+                                    </p:animEffect>
+                                  </p:childTnLst>
+                                </p:cTn>
+                              </p:par>
+                            </p:childTnLst>
+                          </p:cTn>
+                        </p:par>
+                      </p:childTnLst>
+                    </p:cTn>
+                  </p:par>
+                  <p:par>
+                    <p:cTn id="8" fill="hold">
+                      <p:stCondLst>
+                        <p:cond delay="indefinite"/>
+                      </p:stCondLst>
+                      <p:childTnLst>
+                        <p:par>
+                          <p:cTn id="9" fill="hold">
+                            <p:stCondLst>
+                              <p:cond delay="0"/>
+                            </p:stCondLst>
+                            <p:childTnLst>
+                              <p:par>
+                                <p:cTn id="10" presetID="10" presetClass="entr" presetSubtype="0" fill="hold" grpId="0" nodeType="clickEffect">
+                                  <p:stCondLst>
+                                    <p:cond delay="0"/>
+                                  </p:stCondLst>
+                                  <p:childTnLst>
+                                    <p:set>
+                                      <p:cBhvr>
+                                        <p:cTn id="11" dur="1" fill="hold">
+                                          <p:stCondLst>
+                                            <p:cond delay="0"/>
+                                          </p:stCondLst>
+                                        </p:cTn>
+                                        <p:tgtEl>
+                                          <p:spTgt spid="3">
+                                            <p:txEl>
+                                              <p:pRg st="0" end="0"/>
+                                            </p:txEl>
+                                          </p:spTgt>
+                                        </p:tgtEl>
+                                        <p:attrNameLst>
+                                          <p:attrName>style.visibility</p:attrName>
+                                        </p:attrNameLst>
+                                      </p:cBhvr>
+                                      <p:to>
+                                        <p:strVal val="visible"/>
+                                      </p:to>
+                                    </p:set>
+                                    <p:animEffect transition="in" filter="fade">
+                                      <p:cBhvr>
+                                        <p:cTn id="12" dur="500"/>
+                                        <p:tgtEl>
+                                          <p:spTgt spid="3">
+                                            <p:txEl>
+                                              <p:pRg st="0" end="0"/>
+                                            </p:txEl>
+                                          </p:spTgt>
+                                        </p:tgtEl>
+                                      </p:cBhvr>
+                                    </p:animEffect>
+                                  </p:childTnLst>
+                                </p:cTn>
+                              </p:par>
+                            </p:childTnLst>
+                          </p:cTn>
+                        </p:par>
+                      </p:childTnLst>
+                    </p:cTn>
+                  </p:par>
+                  <p:par>
+                    <p:cTn id="13" fill="hold">
+                      <p:stCondLst>
+                        <p:cond delay="indefinite"/>
+                      </p:stCondLst>
+                      <p:childTnLst>
+                        <p:par>
+                          <p:cTn id="14" fill="hold">
+                            <p:stCondLst>
+                              <p:cond delay="0"/>
+                            </p:stCondLst>
+                            <p:childTnLst>
+                              <p:par>
+                                <p:cTn id="15" presetID="10" presetClass="entr" presetSubtype="0" fill="hold" grpId="0" nodeType="clickEffect">
+                                  <p:stCondLst>
+                                    <p:cond delay="0"/>
+                                  </p:stCondLst>
+                                  <p:childTnLst>
+                                    <p:set>
+                                      <p:cBhvr>
+                                        <p:cTn id="16" dur="1" fill="hold">
+                                          <p:stCondLst>
+                                            <p:cond delay="0"/>
+                                          </p:stCondLst>
+                                        </p:cTn>
+                                        <p:tgtEl>
+                                          <p:spTgt spid="3">
+                                            <p:txEl>
+                                              <p:pRg st="2" end="2"/>
+                                            </p:txEl>
+                                          </p:spTgt>
+                                        </p:tgtEl>
+                                        <p:attrNameLst>
+                                          <p:attrName>style.visibility</p:attrName>
+                                        </p:attrNameLst>
+                                      </p:cBhvr>
+                                      <p:to>
+                                        <p:strVal val="visible"/>
+                                      </p:to>
+                                    </p:set>
+                                    <p:animEffect transition="in" filter="fade">
+                                      <p:cBhvr>
+                                        <p:cTn id="17" dur="500"/>
+                                        <p:tgtEl>
+                                          <p:spTgt spid="3">
+                                            <p:txEl>
+                                              <p:pRg st="2" end="2"/>
+                                            </p:txEl>
+                                          </p:spTgt>
+                                        </p:tgtEl>
+                                      </p:cBhvr>
+                                    </p:animEffect>
+                                  </p:childTnLst>
+                                </p:cTn>
+                              </p:par>
+                            </p:childTnLst>
+                          </p:cTn>
+                        </p:par>
+                      </p:childTnLst>
+                    </p:cTn>
+                  </p:par>
+                  <p:par>
+                    <p:cTn id="18" fill="hold">
+                      <p:stCondLst>
+                        <p:cond delay="indefinite"/>
+                      </p:stCondLst>
+                      <p:childTnLst>
+                        <p:par>
+                          <p:cTn id="19" fill="hold">
+                            <p:stCondLst>
+                              <p:cond delay="0"/>
+                            </p:stCondLst>
+                            <p:childTnLst>
+                              <p:par>
+                                <p:cTn id="20" presetID="10" presetClass="entr" presetSubtype="0" fill="hold" grpId="0" nodeType="clickEffect">
+                                  <p:stCondLst>
+                                    <p:cond delay="0"/>
+                                  </p:stCondLst>
+                                  <p:childTnLst>
+                                    <p:set>
+                                      <p:cBhvr>
+                                        <p:cTn id="21" dur="1" fill="hold">
+                                          <p:stCondLst>
+                                            <p:cond delay="0"/>
+                                          </p:stCondLst>
+                                        </p:cTn>
+                                        <p:tgtEl>
+                                          <p:spTgt spid="3">
+                                            <p:txEl>
+                                              <p:pRg st="4" end="4"/>
+                                            </p:txEl>
+                                          </p:spTgt>
+                                        </p:tgtEl>
+                                        <p:attrNameLst>
+                                          <p:attrName>style.visibility</p:attrName>
+                                        </p:attrNameLst>
+                                      </p:cBhvr>
+                                      <p:to>
+                                        <p:strVal val="visible"/>
+                                      </p:to>
+                                    </p:set>
+                                    <p:animEffect transition="in" filter="fade">
+                                      <p:cBhvr>
+                                        <p:cTn id="22" dur="500"/>
+                                        <p:tgtEl>
+                                          <p:spTgt spid="3">
+                                            <p:txEl>
+                                              <p:pRg st="4" end="4"/>
+                                            </p:txEl>
+                                          </p:spTgt>
+                                        </p:tgtEl>
+                                      </p:cBhvr>
+                                    </p:animEffect>
+                                  </p:childTnLst>
+                                </p:cTn>
+                              </p:par>
+                            </p:childTnLst>
+                          </p:cTn>
+                        </p:par>
+                      </p:childTnLst>
+                    </p:cTn>
+                  </p:par>
+                </p:childTnLst>
+              </p:cTn>
+              <p:prevCondLst>
+                <p:cond evt="onPrev" delay="0">
+                  <p:tgtEl>
+                    <p:sldTgt/>
+                  </p:tgtEl>
+                </p:cond>
+              </p:prevCondLst>
+              <p:nextCondLst>
+                <p:cond evt="onNext" delay="0">
+                  <p:tgtEl>
+                    <p:sldTgt/>
+                  </p:tgtEl>
+                </p:cond>
+              </p:nextCondLst>
+            </p:seq>
+          </p:childTnLst>
+        </p:cTn>
+      </p:par>
+    </p:tnLst>
+    <p:bldLst>
+      <p:bldP spid="3" grpId="0" uiExpand="1" build="p"/>
+    </p:bldLst>
+  </p:timing>
 </p:sld>
 </file>
 
@@ -9263,6 +11737,287 @@
   <p:clrMapOvr>
     <a:masterClrMapping/>
   </p:clrMapOvr>
+  <mc:AlternateContent xmlns:mc="http://schemas.openxmlformats.org/markup-compatibility/2006">
+    <mc:Choice xmlns:p14="http://schemas.microsoft.com/office/powerpoint/2010/main" Requires="p14">
+      <p:transition spd="med" p14:dur="700">
+        <p:fade/>
+      </p:transition>
+    </mc:Choice>
+    <mc:Fallback>
+      <p:transition spd="med">
+        <p:fade/>
+      </p:transition>
+    </mc:Fallback>
+  </mc:AlternateContent>
+  <p:timing>
+    <p:tnLst>
+      <p:par>
+        <p:cTn id="1" dur="indefinite" restart="never" nodeType="tmRoot">
+          <p:childTnLst>
+            <p:seq concurrent="1" nextAc="seek">
+              <p:cTn id="2" dur="indefinite" nodeType="mainSeq">
+                <p:childTnLst>
+                  <p:par>
+                    <p:cTn id="3" fill="hold">
+                      <p:stCondLst>
+                        <p:cond delay="indefinite"/>
+                      </p:stCondLst>
+                      <p:childTnLst>
+                        <p:par>
+                          <p:cTn id="4" fill="hold">
+                            <p:stCondLst>
+                              <p:cond delay="0"/>
+                            </p:stCondLst>
+                            <p:childTnLst>
+                              <p:par>
+                                <p:cTn id="5" presetID="10" presetClass="entr" presetSubtype="0" fill="hold" grpId="0" nodeType="clickEffect">
+                                  <p:stCondLst>
+                                    <p:cond delay="0"/>
+                                  </p:stCondLst>
+                                  <p:childTnLst>
+                                    <p:set>
+                                      <p:cBhvr>
+                                        <p:cTn id="6" dur="1" fill="hold">
+                                          <p:stCondLst>
+                                            <p:cond delay="0"/>
+                                          </p:stCondLst>
+                                        </p:cTn>
+                                        <p:tgtEl>
+                                          <p:spTgt spid="3">
+                                            <p:txEl>
+                                              <p:pRg st="0" end="0"/>
+                                            </p:txEl>
+                                          </p:spTgt>
+                                        </p:tgtEl>
+                                        <p:attrNameLst>
+                                          <p:attrName>style.visibility</p:attrName>
+                                        </p:attrNameLst>
+                                      </p:cBhvr>
+                                      <p:to>
+                                        <p:strVal val="visible"/>
+                                      </p:to>
+                                    </p:set>
+                                    <p:animEffect transition="in" filter="fade">
+                                      <p:cBhvr>
+                                        <p:cTn id="7" dur="500"/>
+                                        <p:tgtEl>
+                                          <p:spTgt spid="3">
+                                            <p:txEl>
+                                              <p:pRg st="0" end="0"/>
+                                            </p:txEl>
+                                          </p:spTgt>
+                                        </p:tgtEl>
+                                      </p:cBhvr>
+                                    </p:animEffect>
+                                  </p:childTnLst>
+                                </p:cTn>
+                              </p:par>
+                            </p:childTnLst>
+                          </p:cTn>
+                        </p:par>
+                      </p:childTnLst>
+                    </p:cTn>
+                  </p:par>
+                  <p:par>
+                    <p:cTn id="8" fill="hold">
+                      <p:stCondLst>
+                        <p:cond delay="indefinite"/>
+                      </p:stCondLst>
+                      <p:childTnLst>
+                        <p:par>
+                          <p:cTn id="9" fill="hold">
+                            <p:stCondLst>
+                              <p:cond delay="0"/>
+                            </p:stCondLst>
+                            <p:childTnLst>
+                              <p:par>
+                                <p:cTn id="10" presetID="10" presetClass="entr" presetSubtype="0" fill="hold" grpId="0" nodeType="clickEffect">
+                                  <p:stCondLst>
+                                    <p:cond delay="0"/>
+                                  </p:stCondLst>
+                                  <p:childTnLst>
+                                    <p:set>
+                                      <p:cBhvr>
+                                        <p:cTn id="11" dur="1" fill="hold">
+                                          <p:stCondLst>
+                                            <p:cond delay="0"/>
+                                          </p:stCondLst>
+                                        </p:cTn>
+                                        <p:tgtEl>
+                                          <p:spTgt spid="3">
+                                            <p:txEl>
+                                              <p:pRg st="2" end="2"/>
+                                            </p:txEl>
+                                          </p:spTgt>
+                                        </p:tgtEl>
+                                        <p:attrNameLst>
+                                          <p:attrName>style.visibility</p:attrName>
+                                        </p:attrNameLst>
+                                      </p:cBhvr>
+                                      <p:to>
+                                        <p:strVal val="visible"/>
+                                      </p:to>
+                                    </p:set>
+                                    <p:animEffect transition="in" filter="fade">
+                                      <p:cBhvr>
+                                        <p:cTn id="12" dur="500"/>
+                                        <p:tgtEl>
+                                          <p:spTgt spid="3">
+                                            <p:txEl>
+                                              <p:pRg st="2" end="2"/>
+                                            </p:txEl>
+                                          </p:spTgt>
+                                        </p:tgtEl>
+                                      </p:cBhvr>
+                                    </p:animEffect>
+                                  </p:childTnLst>
+                                </p:cTn>
+                              </p:par>
+                            </p:childTnLst>
+                          </p:cTn>
+                        </p:par>
+                      </p:childTnLst>
+                    </p:cTn>
+                  </p:par>
+                  <p:par>
+                    <p:cTn id="13" fill="hold">
+                      <p:stCondLst>
+                        <p:cond delay="indefinite"/>
+                      </p:stCondLst>
+                      <p:childTnLst>
+                        <p:par>
+                          <p:cTn id="14" fill="hold">
+                            <p:stCondLst>
+                              <p:cond delay="0"/>
+                            </p:stCondLst>
+                            <p:childTnLst>
+                              <p:par>
+                                <p:cTn id="15" presetID="10" presetClass="entr" presetSubtype="0" fill="hold" grpId="0" nodeType="clickEffect">
+                                  <p:stCondLst>
+                                    <p:cond delay="0"/>
+                                  </p:stCondLst>
+                                  <p:childTnLst>
+                                    <p:set>
+                                      <p:cBhvr>
+                                        <p:cTn id="16" dur="1" fill="hold">
+                                          <p:stCondLst>
+                                            <p:cond delay="0"/>
+                                          </p:stCondLst>
+                                        </p:cTn>
+                                        <p:tgtEl>
+                                          <p:spTgt spid="3">
+                                            <p:txEl>
+                                              <p:pRg st="4" end="4"/>
+                                            </p:txEl>
+                                          </p:spTgt>
+                                        </p:tgtEl>
+                                        <p:attrNameLst>
+                                          <p:attrName>style.visibility</p:attrName>
+                                        </p:attrNameLst>
+                                      </p:cBhvr>
+                                      <p:to>
+                                        <p:strVal val="visible"/>
+                                      </p:to>
+                                    </p:set>
+                                    <p:animEffect transition="in" filter="fade">
+                                      <p:cBhvr>
+                                        <p:cTn id="17" dur="500"/>
+                                        <p:tgtEl>
+                                          <p:spTgt spid="3">
+                                            <p:txEl>
+                                              <p:pRg st="4" end="4"/>
+                                            </p:txEl>
+                                          </p:spTgt>
+                                        </p:tgtEl>
+                                      </p:cBhvr>
+                                    </p:animEffect>
+                                  </p:childTnLst>
+                                </p:cTn>
+                              </p:par>
+                            </p:childTnLst>
+                          </p:cTn>
+                        </p:par>
+                      </p:childTnLst>
+                    </p:cTn>
+                  </p:par>
+                  <p:par>
+                    <p:cTn id="18" fill="hold">
+                      <p:stCondLst>
+                        <p:cond delay="indefinite"/>
+                      </p:stCondLst>
+                      <p:childTnLst>
+                        <p:par>
+                          <p:cTn id="19" fill="hold">
+                            <p:stCondLst>
+                              <p:cond delay="0"/>
+                            </p:stCondLst>
+                            <p:childTnLst>
+                              <p:par>
+                                <p:cTn id="20" presetID="10" presetClass="entr" presetSubtype="0" fill="hold" nodeType="clickEffect">
+                                  <p:stCondLst>
+                                    <p:cond delay="0"/>
+                                  </p:stCondLst>
+                                  <p:childTnLst>
+                                    <p:set>
+                                      <p:cBhvr>
+                                        <p:cTn id="21" dur="1" fill="hold">
+                                          <p:stCondLst>
+                                            <p:cond delay="0"/>
+                                          </p:stCondLst>
+                                        </p:cTn>
+                                        <p:tgtEl>
+                                          <p:spTgt spid="4"/>
+                                        </p:tgtEl>
+                                        <p:attrNameLst>
+                                          <p:attrName>style.visibility</p:attrName>
+                                        </p:attrNameLst>
+                                      </p:cBhvr>
+                                      <p:to>
+                                        <p:strVal val="visible"/>
+                                      </p:to>
+                                    </p:set>
+                                    <p:animEffect transition="in" filter="fade">
+                                      <p:cBhvr>
+                                        <p:cTn id="22" dur="500"/>
+                                        <p:tgtEl>
+                                          <p:spTgt spid="4"/>
+                                        </p:tgtEl>
+                                      </p:cBhvr>
+                                    </p:animEffect>
+                                  </p:childTnLst>
+                                </p:cTn>
+                              </p:par>
+                            </p:childTnLst>
+                          </p:cTn>
+                        </p:par>
+                      </p:childTnLst>
+                    </p:cTn>
+                  </p:par>
+                </p:childTnLst>
+              </p:cTn>
+              <p:prevCondLst>
+                <p:cond evt="onPrev" delay="0">
+                  <p:tgtEl>
+                    <p:sldTgt/>
+                  </p:tgtEl>
+                </p:cond>
+              </p:prevCondLst>
+              <p:nextCondLst>
+                <p:cond evt="onNext" delay="0">
+                  <p:tgtEl>
+                    <p:sldTgt/>
+                  </p:tgtEl>
+                </p:cond>
+              </p:nextCondLst>
+            </p:seq>
+          </p:childTnLst>
+        </p:cTn>
+      </p:par>
+    </p:tnLst>
+    <p:bldLst>
+      <p:bldP spid="3" grpId="0" build="p"/>
+    </p:bldLst>
+  </p:timing>
 </p:sld>
 </file>
 
@@ -9293,12 +12048,28 @@
             <p:ph type="title"/>
           </p:nvPr>
         </p:nvSpPr>
-        <p:spPr/>
+        <p:spPr>
+          <a:xfrm>
+            <a:off x="646111" y="452718"/>
+            <a:ext cx="9829384" cy="1400530"/>
+          </a:xfrm>
+        </p:spPr>
         <p:txBody>
           <a:bodyPr/>
           <a:lstStyle/>
           <a:p>
-            <a:endParaRPr lang="de-DE"/>
+            <a:r>
+              <a:rPr lang="de-DE" dirty="0"/>
+              <a:t>Geometrische Sehnen</a:t>
+            </a:r>
+            <a:endParaRPr lang="de-DE" sz="2800" dirty="0">
+              <a:solidFill>
+                <a:schemeClr val="bg2">
+                  <a:lumMod val="60000"/>
+                  <a:lumOff val="40000"/>
+                </a:schemeClr>
+              </a:solidFill>
+            </a:endParaRPr>
           </a:p>
         </p:txBody>
       </p:sp>
@@ -9312,25 +12083,845 @@
             <p:ph idx="1"/>
           </p:nvPr>
         </p:nvSpPr>
-        <p:spPr/>
-        <p:txBody>
-          <a:bodyPr/>
+        <p:spPr>
+          <a:xfrm>
+            <a:off x="1103312" y="2052918"/>
+            <a:ext cx="10206371" cy="4805082"/>
+          </a:xfrm>
+        </p:spPr>
+        <p:txBody>
+          <a:bodyPr>
+            <a:normAutofit/>
+          </a:bodyPr>
           <a:lstStyle/>
           <a:p>
-            <a:endParaRPr lang="de-DE"/>
-          </a:p>
-        </p:txBody>
-      </p:sp>
+            <a:r>
+              <a:rPr lang="de-DE" dirty="0"/>
+              <a:t>Historische Alternative zum Sinus/Kosinus:</a:t>
+            </a:r>
+            <a:br>
+              <a:rPr lang="de-DE" dirty="0"/>
+            </a:br>
+            <a:r>
+              <a:rPr lang="de-DE" dirty="0"/>
+              <a:t>Geometrische Sehnen in der Antike</a:t>
+            </a:r>
+          </a:p>
+          <a:p>
+            <a:endParaRPr lang="de-DE" dirty="0"/>
+          </a:p>
+          <a:p>
+            <a:r>
+              <a:rPr lang="de-DE" dirty="0"/>
+              <a:t>Idee wurde von den Griechen gefördert,</a:t>
+            </a:r>
+            <a:br>
+              <a:rPr lang="de-DE" dirty="0"/>
+            </a:br>
+            <a:r>
+              <a:rPr lang="de-DE" dirty="0"/>
+              <a:t>darunter vom Vater der Astronomie</a:t>
+            </a:r>
+          </a:p>
+          <a:p>
+            <a:endParaRPr lang="de-DE" dirty="0"/>
+          </a:p>
+          <a:p>
+            <a:r>
+              <a:rPr lang="de-DE" dirty="0" err="1"/>
+              <a:t>Hipparchos</a:t>
+            </a:r>
+            <a:r>
+              <a:rPr lang="de-DE" dirty="0"/>
+              <a:t> von Nicäa zwischen </a:t>
+            </a:r>
+            <a:br>
+              <a:rPr lang="de-DE" dirty="0"/>
+            </a:br>
+            <a:r>
+              <a:rPr lang="de-DE" dirty="0"/>
+              <a:t>2 – 1 Jahrhundert v.Chr.</a:t>
+            </a:r>
+          </a:p>
+          <a:p>
+            <a:endParaRPr lang="de-DE" dirty="0"/>
+          </a:p>
+          <a:p>
+            <a:r>
+              <a:rPr lang="de-DE" dirty="0"/>
+              <a:t>Entwickelte die trigonometrische Tafel (= auch Sehnentafel)</a:t>
+            </a:r>
+            <a:br>
+              <a:rPr lang="de-DE" dirty="0"/>
+            </a:br>
+            <a:r>
+              <a:rPr lang="de-DE" dirty="0"/>
+              <a:t>Winkel enthielten Länge der ihm gegenüberliegenden Sekante</a:t>
+            </a:r>
+          </a:p>
+        </p:txBody>
+      </p:sp>
+      <p:pic>
+        <p:nvPicPr>
+          <p:cNvPr id="13" name="Grafik 12"/>
+          <p:cNvPicPr>
+            <a:picLocks noChangeAspect="1"/>
+          </p:cNvPicPr>
+          <p:nvPr/>
+        </p:nvPicPr>
+        <p:blipFill>
+          <a:blip r:embed="rId3"/>
+          <a:stretch>
+            <a:fillRect/>
+          </a:stretch>
+        </p:blipFill>
+        <p:spPr>
+          <a:xfrm>
+            <a:off x="7750098" y="1853249"/>
+            <a:ext cx="4008858" cy="3597892"/>
+          </a:xfrm>
+          <a:prstGeom prst="rect">
+            <a:avLst/>
+          </a:prstGeom>
+        </p:spPr>
+      </p:pic>
+      <p:pic>
+        <p:nvPicPr>
+          <p:cNvPr id="14" name="Grafik 13"/>
+          <p:cNvPicPr>
+            <a:picLocks noChangeAspect="1"/>
+          </p:cNvPicPr>
+          <p:nvPr/>
+        </p:nvPicPr>
+        <p:blipFill>
+          <a:blip r:embed="rId4"/>
+          <a:stretch>
+            <a:fillRect/>
+          </a:stretch>
+        </p:blipFill>
+        <p:spPr>
+          <a:xfrm>
+            <a:off x="7750098" y="1853249"/>
+            <a:ext cx="4008858" cy="3597892"/>
+          </a:xfrm>
+          <a:prstGeom prst="rect">
+            <a:avLst/>
+          </a:prstGeom>
+        </p:spPr>
+      </p:pic>
+      <p:pic>
+        <p:nvPicPr>
+          <p:cNvPr id="15" name="Grafik 14"/>
+          <p:cNvPicPr>
+            <a:picLocks noChangeAspect="1"/>
+          </p:cNvPicPr>
+          <p:nvPr/>
+        </p:nvPicPr>
+        <p:blipFill>
+          <a:blip r:embed="rId5"/>
+          <a:stretch>
+            <a:fillRect/>
+          </a:stretch>
+        </p:blipFill>
+        <p:spPr>
+          <a:xfrm>
+            <a:off x="7750096" y="1853248"/>
+            <a:ext cx="4008859" cy="3597893"/>
+          </a:xfrm>
+          <a:prstGeom prst="rect">
+            <a:avLst/>
+          </a:prstGeom>
+        </p:spPr>
+      </p:pic>
+      <p:pic>
+        <p:nvPicPr>
+          <p:cNvPr id="16" name="Grafik 15"/>
+          <p:cNvPicPr>
+            <a:picLocks noChangeAspect="1"/>
+          </p:cNvPicPr>
+          <p:nvPr/>
+        </p:nvPicPr>
+        <p:blipFill>
+          <a:blip r:embed="rId6"/>
+          <a:stretch>
+            <a:fillRect/>
+          </a:stretch>
+        </p:blipFill>
+        <p:spPr>
+          <a:xfrm>
+            <a:off x="7750095" y="1853248"/>
+            <a:ext cx="4008860" cy="3597894"/>
+          </a:xfrm>
+          <a:prstGeom prst="rect">
+            <a:avLst/>
+          </a:prstGeom>
+        </p:spPr>
+      </p:pic>
+      <p:pic>
+        <p:nvPicPr>
+          <p:cNvPr id="17" name="Grafik 16"/>
+          <p:cNvPicPr>
+            <a:picLocks noChangeAspect="1"/>
+          </p:cNvPicPr>
+          <p:nvPr/>
+        </p:nvPicPr>
+        <p:blipFill>
+          <a:blip r:embed="rId7"/>
+          <a:stretch>
+            <a:fillRect/>
+          </a:stretch>
+        </p:blipFill>
+        <p:spPr>
+          <a:xfrm>
+            <a:off x="7750095" y="1853248"/>
+            <a:ext cx="4008860" cy="3597894"/>
+          </a:xfrm>
+          <a:prstGeom prst="rect">
+            <a:avLst/>
+          </a:prstGeom>
+        </p:spPr>
+      </p:pic>
+      <p:pic>
+        <p:nvPicPr>
+          <p:cNvPr id="18" name="Grafik 17"/>
+          <p:cNvPicPr>
+            <a:picLocks noChangeAspect="1"/>
+          </p:cNvPicPr>
+          <p:nvPr/>
+        </p:nvPicPr>
+        <p:blipFill>
+          <a:blip r:embed="rId8"/>
+          <a:stretch>
+            <a:fillRect/>
+          </a:stretch>
+        </p:blipFill>
+        <p:spPr>
+          <a:xfrm>
+            <a:off x="7750093" y="1853248"/>
+            <a:ext cx="4008861" cy="3597895"/>
+          </a:xfrm>
+          <a:prstGeom prst="rect">
+            <a:avLst/>
+          </a:prstGeom>
+        </p:spPr>
+      </p:pic>
     </p:spTree>
     <p:extLst>
       <p:ext uri="{BB962C8B-B14F-4D97-AF65-F5344CB8AC3E}">
-        <p14:creationId xmlns:p14="http://schemas.microsoft.com/office/powerpoint/2010/main" val="919589278"/>
+        <p14:creationId xmlns:p14="http://schemas.microsoft.com/office/powerpoint/2010/main" val="3655737047"/>
       </p:ext>
     </p:extLst>
   </p:cSld>
   <p:clrMapOvr>
     <a:masterClrMapping/>
   </p:clrMapOvr>
+  <mc:AlternateContent xmlns:mc="http://schemas.openxmlformats.org/markup-compatibility/2006">
+    <mc:Choice xmlns:p14="http://schemas.microsoft.com/office/powerpoint/2010/main" Requires="p14">
+      <p:transition spd="med" p14:dur="700">
+        <p:fade/>
+      </p:transition>
+    </mc:Choice>
+    <mc:Fallback>
+      <p:transition spd="med">
+        <p:fade/>
+      </p:transition>
+    </mc:Fallback>
+  </mc:AlternateContent>
+  <p:timing>
+    <p:tnLst>
+      <p:par>
+        <p:cTn id="1" dur="indefinite" restart="never" nodeType="tmRoot">
+          <p:childTnLst>
+            <p:seq concurrent="1" nextAc="seek">
+              <p:cTn id="2" dur="indefinite" nodeType="mainSeq">
+                <p:childTnLst>
+                  <p:par>
+                    <p:cTn id="3" fill="hold">
+                      <p:stCondLst>
+                        <p:cond delay="indefinite"/>
+                      </p:stCondLst>
+                      <p:childTnLst>
+                        <p:par>
+                          <p:cTn id="4" fill="hold">
+                            <p:stCondLst>
+                              <p:cond delay="0"/>
+                            </p:stCondLst>
+                            <p:childTnLst>
+                              <p:par>
+                                <p:cTn id="5" presetID="10" presetClass="entr" presetSubtype="0" fill="hold" grpId="0" nodeType="clickEffect">
+                                  <p:stCondLst>
+                                    <p:cond delay="0"/>
+                                  </p:stCondLst>
+                                  <p:childTnLst>
+                                    <p:set>
+                                      <p:cBhvr>
+                                        <p:cTn id="6" dur="1" fill="hold">
+                                          <p:stCondLst>
+                                            <p:cond delay="0"/>
+                                          </p:stCondLst>
+                                        </p:cTn>
+                                        <p:tgtEl>
+                                          <p:spTgt spid="3">
+                                            <p:txEl>
+                                              <p:pRg st="0" end="0"/>
+                                            </p:txEl>
+                                          </p:spTgt>
+                                        </p:tgtEl>
+                                        <p:attrNameLst>
+                                          <p:attrName>style.visibility</p:attrName>
+                                        </p:attrNameLst>
+                                      </p:cBhvr>
+                                      <p:to>
+                                        <p:strVal val="visible"/>
+                                      </p:to>
+                                    </p:set>
+                                    <p:animEffect transition="in" filter="fade">
+                                      <p:cBhvr>
+                                        <p:cTn id="7" dur="500"/>
+                                        <p:tgtEl>
+                                          <p:spTgt spid="3">
+                                            <p:txEl>
+                                              <p:pRg st="0" end="0"/>
+                                            </p:txEl>
+                                          </p:spTgt>
+                                        </p:tgtEl>
+                                      </p:cBhvr>
+                                    </p:animEffect>
+                                  </p:childTnLst>
+                                </p:cTn>
+                              </p:par>
+                            </p:childTnLst>
+                          </p:cTn>
+                        </p:par>
+                      </p:childTnLst>
+                    </p:cTn>
+                  </p:par>
+                  <p:par>
+                    <p:cTn id="8" fill="hold">
+                      <p:stCondLst>
+                        <p:cond delay="indefinite"/>
+                      </p:stCondLst>
+                      <p:childTnLst>
+                        <p:par>
+                          <p:cTn id="9" fill="hold">
+                            <p:stCondLst>
+                              <p:cond delay="0"/>
+                            </p:stCondLst>
+                            <p:childTnLst>
+                              <p:par>
+                                <p:cTn id="10" presetID="10" presetClass="entr" presetSubtype="0" fill="hold" grpId="0" nodeType="clickEffect">
+                                  <p:stCondLst>
+                                    <p:cond delay="0"/>
+                                  </p:stCondLst>
+                                  <p:childTnLst>
+                                    <p:set>
+                                      <p:cBhvr>
+                                        <p:cTn id="11" dur="1" fill="hold">
+                                          <p:stCondLst>
+                                            <p:cond delay="0"/>
+                                          </p:stCondLst>
+                                        </p:cTn>
+                                        <p:tgtEl>
+                                          <p:spTgt spid="3">
+                                            <p:txEl>
+                                              <p:pRg st="2" end="2"/>
+                                            </p:txEl>
+                                          </p:spTgt>
+                                        </p:tgtEl>
+                                        <p:attrNameLst>
+                                          <p:attrName>style.visibility</p:attrName>
+                                        </p:attrNameLst>
+                                      </p:cBhvr>
+                                      <p:to>
+                                        <p:strVal val="visible"/>
+                                      </p:to>
+                                    </p:set>
+                                    <p:animEffect transition="in" filter="fade">
+                                      <p:cBhvr>
+                                        <p:cTn id="12" dur="500"/>
+                                        <p:tgtEl>
+                                          <p:spTgt spid="3">
+                                            <p:txEl>
+                                              <p:pRg st="2" end="2"/>
+                                            </p:txEl>
+                                          </p:spTgt>
+                                        </p:tgtEl>
+                                      </p:cBhvr>
+                                    </p:animEffect>
+                                  </p:childTnLst>
+                                </p:cTn>
+                              </p:par>
+                            </p:childTnLst>
+                          </p:cTn>
+                        </p:par>
+                      </p:childTnLst>
+                    </p:cTn>
+                  </p:par>
+                  <p:par>
+                    <p:cTn id="13" fill="hold">
+                      <p:stCondLst>
+                        <p:cond delay="indefinite"/>
+                      </p:stCondLst>
+                      <p:childTnLst>
+                        <p:par>
+                          <p:cTn id="14" fill="hold">
+                            <p:stCondLst>
+                              <p:cond delay="0"/>
+                            </p:stCondLst>
+                            <p:childTnLst>
+                              <p:par>
+                                <p:cTn id="15" presetID="10" presetClass="entr" presetSubtype="0" fill="hold" grpId="0" nodeType="clickEffect">
+                                  <p:stCondLst>
+                                    <p:cond delay="0"/>
+                                  </p:stCondLst>
+                                  <p:childTnLst>
+                                    <p:set>
+                                      <p:cBhvr>
+                                        <p:cTn id="16" dur="1" fill="hold">
+                                          <p:stCondLst>
+                                            <p:cond delay="0"/>
+                                          </p:stCondLst>
+                                        </p:cTn>
+                                        <p:tgtEl>
+                                          <p:spTgt spid="3">
+                                            <p:txEl>
+                                              <p:pRg st="4" end="4"/>
+                                            </p:txEl>
+                                          </p:spTgt>
+                                        </p:tgtEl>
+                                        <p:attrNameLst>
+                                          <p:attrName>style.visibility</p:attrName>
+                                        </p:attrNameLst>
+                                      </p:cBhvr>
+                                      <p:to>
+                                        <p:strVal val="visible"/>
+                                      </p:to>
+                                    </p:set>
+                                    <p:animEffect transition="in" filter="fade">
+                                      <p:cBhvr>
+                                        <p:cTn id="17" dur="500"/>
+                                        <p:tgtEl>
+                                          <p:spTgt spid="3">
+                                            <p:txEl>
+                                              <p:pRg st="4" end="4"/>
+                                            </p:txEl>
+                                          </p:spTgt>
+                                        </p:tgtEl>
+                                      </p:cBhvr>
+                                    </p:animEffect>
+                                  </p:childTnLst>
+                                </p:cTn>
+                              </p:par>
+                            </p:childTnLst>
+                          </p:cTn>
+                        </p:par>
+                      </p:childTnLst>
+                    </p:cTn>
+                  </p:par>
+                  <p:par>
+                    <p:cTn id="18" fill="hold">
+                      <p:stCondLst>
+                        <p:cond delay="indefinite"/>
+                      </p:stCondLst>
+                      <p:childTnLst>
+                        <p:par>
+                          <p:cTn id="19" fill="hold">
+                            <p:stCondLst>
+                              <p:cond delay="0"/>
+                            </p:stCondLst>
+                            <p:childTnLst>
+                              <p:par>
+                                <p:cTn id="20" presetID="10" presetClass="entr" presetSubtype="0" fill="hold" nodeType="clickEffect">
+                                  <p:stCondLst>
+                                    <p:cond delay="0"/>
+                                  </p:stCondLst>
+                                  <p:childTnLst>
+                                    <p:set>
+                                      <p:cBhvr>
+                                        <p:cTn id="21" dur="1" fill="hold">
+                                          <p:stCondLst>
+                                            <p:cond delay="0"/>
+                                          </p:stCondLst>
+                                        </p:cTn>
+                                        <p:tgtEl>
+                                          <p:spTgt spid="13"/>
+                                        </p:tgtEl>
+                                        <p:attrNameLst>
+                                          <p:attrName>style.visibility</p:attrName>
+                                        </p:attrNameLst>
+                                      </p:cBhvr>
+                                      <p:to>
+                                        <p:strVal val="visible"/>
+                                      </p:to>
+                                    </p:set>
+                                    <p:animEffect transition="in" filter="fade">
+                                      <p:cBhvr>
+                                        <p:cTn id="22" dur="500"/>
+                                        <p:tgtEl>
+                                          <p:spTgt spid="13"/>
+                                        </p:tgtEl>
+                                      </p:cBhvr>
+                                    </p:animEffect>
+                                  </p:childTnLst>
+                                </p:cTn>
+                              </p:par>
+                            </p:childTnLst>
+                          </p:cTn>
+                        </p:par>
+                      </p:childTnLst>
+                    </p:cTn>
+                  </p:par>
+                  <p:par>
+                    <p:cTn id="23" fill="hold">
+                      <p:stCondLst>
+                        <p:cond delay="indefinite"/>
+                      </p:stCondLst>
+                      <p:childTnLst>
+                        <p:par>
+                          <p:cTn id="24" fill="hold">
+                            <p:stCondLst>
+                              <p:cond delay="0"/>
+                            </p:stCondLst>
+                            <p:childTnLst>
+                              <p:par>
+                                <p:cTn id="25" presetID="10" presetClass="entr" presetSubtype="0" fill="hold" nodeType="clickEffect">
+                                  <p:stCondLst>
+                                    <p:cond delay="0"/>
+                                  </p:stCondLst>
+                                  <p:childTnLst>
+                                    <p:set>
+                                      <p:cBhvr>
+                                        <p:cTn id="26" dur="1" fill="hold">
+                                          <p:stCondLst>
+                                            <p:cond delay="0"/>
+                                          </p:stCondLst>
+                                        </p:cTn>
+                                        <p:tgtEl>
+                                          <p:spTgt spid="14"/>
+                                        </p:tgtEl>
+                                        <p:attrNameLst>
+                                          <p:attrName>style.visibility</p:attrName>
+                                        </p:attrNameLst>
+                                      </p:cBhvr>
+                                      <p:to>
+                                        <p:strVal val="visible"/>
+                                      </p:to>
+                                    </p:set>
+                                    <p:animEffect transition="in" filter="fade">
+                                      <p:cBhvr>
+                                        <p:cTn id="27" dur="500"/>
+                                        <p:tgtEl>
+                                          <p:spTgt spid="14"/>
+                                        </p:tgtEl>
+                                      </p:cBhvr>
+                                    </p:animEffect>
+                                  </p:childTnLst>
+                                </p:cTn>
+                              </p:par>
+                            </p:childTnLst>
+                          </p:cTn>
+                        </p:par>
+                      </p:childTnLst>
+                    </p:cTn>
+                  </p:par>
+                  <p:par>
+                    <p:cTn id="28" fill="hold">
+                      <p:stCondLst>
+                        <p:cond delay="indefinite"/>
+                      </p:stCondLst>
+                      <p:childTnLst>
+                        <p:par>
+                          <p:cTn id="29" fill="hold">
+                            <p:stCondLst>
+                              <p:cond delay="0"/>
+                            </p:stCondLst>
+                            <p:childTnLst>
+                              <p:par>
+                                <p:cTn id="30" presetID="10" presetClass="entr" presetSubtype="0" fill="hold" nodeType="clickEffect">
+                                  <p:stCondLst>
+                                    <p:cond delay="0"/>
+                                  </p:stCondLst>
+                                  <p:childTnLst>
+                                    <p:set>
+                                      <p:cBhvr>
+                                        <p:cTn id="31" dur="1" fill="hold">
+                                          <p:stCondLst>
+                                            <p:cond delay="0"/>
+                                          </p:stCondLst>
+                                        </p:cTn>
+                                        <p:tgtEl>
+                                          <p:spTgt spid="15"/>
+                                        </p:tgtEl>
+                                        <p:attrNameLst>
+                                          <p:attrName>style.visibility</p:attrName>
+                                        </p:attrNameLst>
+                                      </p:cBhvr>
+                                      <p:to>
+                                        <p:strVal val="visible"/>
+                                      </p:to>
+                                    </p:set>
+                                    <p:animEffect transition="in" filter="fade">
+                                      <p:cBhvr>
+                                        <p:cTn id="32" dur="500"/>
+                                        <p:tgtEl>
+                                          <p:spTgt spid="15"/>
+                                        </p:tgtEl>
+                                      </p:cBhvr>
+                                    </p:animEffect>
+                                  </p:childTnLst>
+                                </p:cTn>
+                              </p:par>
+                            </p:childTnLst>
+                          </p:cTn>
+                        </p:par>
+                      </p:childTnLst>
+                    </p:cTn>
+                  </p:par>
+                  <p:par>
+                    <p:cTn id="33" fill="hold">
+                      <p:stCondLst>
+                        <p:cond delay="indefinite"/>
+                      </p:stCondLst>
+                      <p:childTnLst>
+                        <p:par>
+                          <p:cTn id="34" fill="hold">
+                            <p:stCondLst>
+                              <p:cond delay="0"/>
+                            </p:stCondLst>
+                            <p:childTnLst>
+                              <p:par>
+                                <p:cTn id="35" presetID="10" presetClass="entr" presetSubtype="0" fill="hold" nodeType="clickEffect">
+                                  <p:stCondLst>
+                                    <p:cond delay="0"/>
+                                  </p:stCondLst>
+                                  <p:childTnLst>
+                                    <p:set>
+                                      <p:cBhvr>
+                                        <p:cTn id="36" dur="1" fill="hold">
+                                          <p:stCondLst>
+                                            <p:cond delay="0"/>
+                                          </p:stCondLst>
+                                        </p:cTn>
+                                        <p:tgtEl>
+                                          <p:spTgt spid="16"/>
+                                        </p:tgtEl>
+                                        <p:attrNameLst>
+                                          <p:attrName>style.visibility</p:attrName>
+                                        </p:attrNameLst>
+                                      </p:cBhvr>
+                                      <p:to>
+                                        <p:strVal val="visible"/>
+                                      </p:to>
+                                    </p:set>
+                                    <p:animEffect transition="in" filter="fade">
+                                      <p:cBhvr>
+                                        <p:cTn id="37" dur="500"/>
+                                        <p:tgtEl>
+                                          <p:spTgt spid="16"/>
+                                        </p:tgtEl>
+                                      </p:cBhvr>
+                                    </p:animEffect>
+                                  </p:childTnLst>
+                                </p:cTn>
+                              </p:par>
+                            </p:childTnLst>
+                          </p:cTn>
+                        </p:par>
+                      </p:childTnLst>
+                    </p:cTn>
+                  </p:par>
+                  <p:par>
+                    <p:cTn id="38" fill="hold">
+                      <p:stCondLst>
+                        <p:cond delay="indefinite"/>
+                      </p:stCondLst>
+                      <p:childTnLst>
+                        <p:par>
+                          <p:cTn id="39" fill="hold">
+                            <p:stCondLst>
+                              <p:cond delay="0"/>
+                            </p:stCondLst>
+                            <p:childTnLst>
+                              <p:par>
+                                <p:cTn id="40" presetID="10" presetClass="entr" presetSubtype="0" fill="hold" grpId="0" nodeType="clickEffect">
+                                  <p:stCondLst>
+                                    <p:cond delay="0"/>
+                                  </p:stCondLst>
+                                  <p:childTnLst>
+                                    <p:set>
+                                      <p:cBhvr>
+                                        <p:cTn id="41" dur="1" fill="hold">
+                                          <p:stCondLst>
+                                            <p:cond delay="0"/>
+                                          </p:stCondLst>
+                                        </p:cTn>
+                                        <p:tgtEl>
+                                          <p:spTgt spid="3">
+                                            <p:txEl>
+                                              <p:pRg st="6" end="6"/>
+                                            </p:txEl>
+                                          </p:spTgt>
+                                        </p:tgtEl>
+                                        <p:attrNameLst>
+                                          <p:attrName>style.visibility</p:attrName>
+                                        </p:attrNameLst>
+                                      </p:cBhvr>
+                                      <p:to>
+                                        <p:strVal val="visible"/>
+                                      </p:to>
+                                    </p:set>
+                                    <p:animEffect transition="in" filter="fade">
+                                      <p:cBhvr>
+                                        <p:cTn id="42" dur="500"/>
+                                        <p:tgtEl>
+                                          <p:spTgt spid="3">
+                                            <p:txEl>
+                                              <p:pRg st="6" end="6"/>
+                                            </p:txEl>
+                                          </p:spTgt>
+                                        </p:tgtEl>
+                                      </p:cBhvr>
+                                    </p:animEffect>
+                                  </p:childTnLst>
+                                </p:cTn>
+                              </p:par>
+                            </p:childTnLst>
+                          </p:cTn>
+                        </p:par>
+                      </p:childTnLst>
+                    </p:cTn>
+                  </p:par>
+                  <p:par>
+                    <p:cTn id="43" fill="hold">
+                      <p:stCondLst>
+                        <p:cond delay="indefinite"/>
+                      </p:stCondLst>
+                      <p:childTnLst>
+                        <p:par>
+                          <p:cTn id="44" fill="hold">
+                            <p:stCondLst>
+                              <p:cond delay="0"/>
+                            </p:stCondLst>
+                            <p:childTnLst>
+                              <p:par>
+                                <p:cTn id="45" presetID="10" presetClass="entr" presetSubtype="0" fill="hold" nodeType="clickEffect">
+                                  <p:stCondLst>
+                                    <p:cond delay="0"/>
+                                  </p:stCondLst>
+                                  <p:childTnLst>
+                                    <p:set>
+                                      <p:cBhvr>
+                                        <p:cTn id="46" dur="1" fill="hold">
+                                          <p:stCondLst>
+                                            <p:cond delay="0"/>
+                                          </p:stCondLst>
+                                        </p:cTn>
+                                        <p:tgtEl>
+                                          <p:spTgt spid="17"/>
+                                        </p:tgtEl>
+                                        <p:attrNameLst>
+                                          <p:attrName>style.visibility</p:attrName>
+                                        </p:attrNameLst>
+                                      </p:cBhvr>
+                                      <p:to>
+                                        <p:strVal val="visible"/>
+                                      </p:to>
+                                    </p:set>
+                                    <p:animEffect transition="in" filter="fade">
+                                      <p:cBhvr>
+                                        <p:cTn id="47" dur="500"/>
+                                        <p:tgtEl>
+                                          <p:spTgt spid="17"/>
+                                        </p:tgtEl>
+                                      </p:cBhvr>
+                                    </p:animEffect>
+                                  </p:childTnLst>
+                                </p:cTn>
+                              </p:par>
+                            </p:childTnLst>
+                          </p:cTn>
+                        </p:par>
+                      </p:childTnLst>
+                    </p:cTn>
+                  </p:par>
+                  <p:par>
+                    <p:cTn id="48" fill="hold">
+                      <p:stCondLst>
+                        <p:cond delay="indefinite"/>
+                      </p:stCondLst>
+                      <p:childTnLst>
+                        <p:par>
+                          <p:cTn id="49" fill="hold">
+                            <p:stCondLst>
+                              <p:cond delay="0"/>
+                            </p:stCondLst>
+                            <p:childTnLst>
+                              <p:par>
+                                <p:cTn id="50" presetID="10" presetClass="entr" presetSubtype="0" fill="hold" nodeType="clickEffect">
+                                  <p:stCondLst>
+                                    <p:cond delay="0"/>
+                                  </p:stCondLst>
+                                  <p:childTnLst>
+                                    <p:set>
+                                      <p:cBhvr>
+                                        <p:cTn id="51" dur="1" fill="hold">
+                                          <p:stCondLst>
+                                            <p:cond delay="0"/>
+                                          </p:stCondLst>
+                                        </p:cTn>
+                                        <p:tgtEl>
+                                          <p:spTgt spid="18"/>
+                                        </p:tgtEl>
+                                        <p:attrNameLst>
+                                          <p:attrName>style.visibility</p:attrName>
+                                        </p:attrNameLst>
+                                      </p:cBhvr>
+                                      <p:to>
+                                        <p:strVal val="visible"/>
+                                      </p:to>
+                                    </p:set>
+                                    <p:animEffect transition="in" filter="fade">
+                                      <p:cBhvr>
+                                        <p:cTn id="52" dur="500"/>
+                                        <p:tgtEl>
+                                          <p:spTgt spid="18"/>
+                                        </p:tgtEl>
+                                      </p:cBhvr>
+                                    </p:animEffect>
+                                  </p:childTnLst>
+                                </p:cTn>
+                              </p:par>
+                            </p:childTnLst>
+                          </p:cTn>
+                        </p:par>
+                      </p:childTnLst>
+                    </p:cTn>
+                  </p:par>
+                </p:childTnLst>
+              </p:cTn>
+              <p:prevCondLst>
+                <p:cond evt="onPrev" delay="0">
+                  <p:tgtEl>
+                    <p:sldTgt/>
+                  </p:tgtEl>
+                </p:cond>
+              </p:prevCondLst>
+              <p:nextCondLst>
+                <p:cond evt="onNext" delay="0">
+                  <p:tgtEl>
+                    <p:sldTgt/>
+                  </p:tgtEl>
+                </p:cond>
+              </p:nextCondLst>
+            </p:seq>
+          </p:childTnLst>
+        </p:cTn>
+      </p:par>
+    </p:tnLst>
+    <p:bldLst>
+      <p:bldP spid="3" grpId="0" uiExpand="1" build="p"/>
+    </p:bldLst>
+  </p:timing>
 </p:sld>
 </file>
 
@@ -9373,7 +12964,7 @@
           <a:p>
             <a:r>
               <a:rPr lang="de-DE" dirty="0"/>
-              <a:t>Geometrische Sehnen</a:t>
+              <a:t>Sinustrigonometrie der Inder</a:t>
             </a:r>
             <a:endParaRPr lang="de-DE" sz="2800" dirty="0">
               <a:solidFill>
@@ -9410,14 +13001,14 @@
           <a:p>
             <a:r>
               <a:rPr lang="de-DE" dirty="0"/>
-              <a:t>Historische Alternative zum Sinus/Kosinus:</a:t>
+              <a:t>Ungefähr zur selben Zeit entwickelten die Inder</a:t>
             </a:r>
             <a:br>
               <a:rPr lang="de-DE" dirty="0"/>
             </a:br>
             <a:r>
               <a:rPr lang="de-DE" dirty="0"/>
-              <a:t>Geometrische Sehnen in der Antike</a:t>
+              <a:t>eine Umgestaltung der Sehnengeometrie zur Sinustrigonometrie</a:t>
             </a:r>
           </a:p>
           <a:p>
@@ -9426,88 +13017,195 @@
           <a:p>
             <a:r>
               <a:rPr lang="de-DE" dirty="0"/>
-              <a:t>Idee wurde von den Griechen gefördert,</a:t>
+              <a:t>Manuskripte zeigen den verwendeten Sinus im 4. / 5. Jahrhundert</a:t>
             </a:r>
             <a:br>
               <a:rPr lang="de-DE" dirty="0"/>
             </a:br>
             <a:r>
               <a:rPr lang="de-DE" dirty="0"/>
-              <a:t>darunter vom Vater der Astronomie</a:t>
-            </a:r>
-          </a:p>
-          <a:p>
-            <a:endParaRPr lang="de-DE" dirty="0"/>
-          </a:p>
-          <a:p>
-            <a:r>
-              <a:rPr lang="de-DE" dirty="0" err="1"/>
-              <a:t>Hipparchos</a:t>
-            </a:r>
-            <a:r>
-              <a:rPr lang="de-DE" dirty="0"/>
-              <a:t> von Nicäa zwischen </a:t>
-            </a:r>
-            <a:br>
-              <a:rPr lang="de-DE" dirty="0"/>
-            </a:br>
-            <a:r>
-              <a:rPr lang="de-DE" dirty="0"/>
-              <a:t>2 – 1 Jahrhundert v.Chr.</a:t>
-            </a:r>
-          </a:p>
-          <a:p>
-            <a:endParaRPr lang="de-DE" dirty="0"/>
-          </a:p>
-          <a:p>
-            <a:r>
-              <a:rPr lang="de-DE" dirty="0"/>
-              <a:t>Entwickelte die trigonometrische Tafel (= auch Sehnentafel)</a:t>
-            </a:r>
-            <a:br>
-              <a:rPr lang="de-DE" dirty="0"/>
-            </a:br>
-            <a:r>
-              <a:rPr lang="de-DE" dirty="0"/>
-              <a:t>Winkel enthielten Länge der ihm gegenüberliegenden Sekante</a:t>
-            </a:r>
-          </a:p>
-        </p:txBody>
-      </p:sp>
-      <p:pic>
-        <p:nvPicPr>
-          <p:cNvPr id="7" name="Grafik 6"/>
-          <p:cNvPicPr>
-            <a:picLocks noChangeAspect="1"/>
-          </p:cNvPicPr>
-          <p:nvPr/>
-        </p:nvPicPr>
-        <p:blipFill>
-          <a:blip r:embed="rId3"/>
-          <a:stretch>
-            <a:fillRect/>
-          </a:stretch>
-        </p:blipFill>
-        <p:spPr>
-          <a:xfrm>
-            <a:off x="7860633" y="2052917"/>
-            <a:ext cx="3665370" cy="3289617"/>
-          </a:xfrm>
-          <a:prstGeom prst="rect">
-            <a:avLst/>
-          </a:prstGeom>
-        </p:spPr>
-      </p:pic>
+              <a:t> </a:t>
+            </a:r>
+          </a:p>
+        </p:txBody>
+      </p:sp>
     </p:spTree>
     <p:extLst>
       <p:ext uri="{BB962C8B-B14F-4D97-AF65-F5344CB8AC3E}">
-        <p14:creationId xmlns:p14="http://schemas.microsoft.com/office/powerpoint/2010/main" val="3655737047"/>
+        <p14:creationId xmlns:p14="http://schemas.microsoft.com/office/powerpoint/2010/main" val="1553912538"/>
       </p:ext>
     </p:extLst>
   </p:cSld>
   <p:clrMapOvr>
     <a:masterClrMapping/>
   </p:clrMapOvr>
+  <mc:AlternateContent xmlns:mc="http://schemas.openxmlformats.org/markup-compatibility/2006">
+    <mc:Choice xmlns:p14="http://schemas.microsoft.com/office/powerpoint/2010/main" Requires="p14">
+      <p:transition spd="med" p14:dur="700">
+        <p:fade/>
+      </p:transition>
+    </mc:Choice>
+    <mc:Fallback>
+      <p:transition spd="med">
+        <p:fade/>
+      </p:transition>
+    </mc:Fallback>
+  </mc:AlternateContent>
+  <p:timing>
+    <p:tnLst>
+      <p:par>
+        <p:cTn id="1" dur="indefinite" restart="never" nodeType="tmRoot">
+          <p:childTnLst>
+            <p:seq concurrent="1" nextAc="seek">
+              <p:cTn id="2" dur="indefinite" nodeType="mainSeq">
+                <p:childTnLst>
+                  <p:par>
+                    <p:cTn id="3" fill="hold">
+                      <p:stCondLst>
+                        <p:cond delay="indefinite"/>
+                      </p:stCondLst>
+                      <p:childTnLst>
+                        <p:par>
+                          <p:cTn id="4" fill="hold">
+                            <p:stCondLst>
+                              <p:cond delay="0"/>
+                            </p:stCondLst>
+                            <p:childTnLst>
+                              <p:par>
+                                <p:cTn id="5" presetID="10" presetClass="entr" presetSubtype="0" fill="hold" grpId="0" nodeType="clickEffect">
+                                  <p:stCondLst>
+                                    <p:cond delay="0"/>
+                                  </p:stCondLst>
+                                  <p:childTnLst>
+                                    <p:set>
+                                      <p:cBhvr>
+                                        <p:cTn id="6" dur="1" fill="hold">
+                                          <p:stCondLst>
+                                            <p:cond delay="0"/>
+                                          </p:stCondLst>
+                                        </p:cTn>
+                                        <p:tgtEl>
+                                          <p:spTgt spid="3">
+                                            <p:txEl>
+                                              <p:pRg st="0" end="0"/>
+                                            </p:txEl>
+                                          </p:spTgt>
+                                        </p:tgtEl>
+                                        <p:attrNameLst>
+                                          <p:attrName>style.visibility</p:attrName>
+                                        </p:attrNameLst>
+                                      </p:cBhvr>
+                                      <p:to>
+                                        <p:strVal val="visible"/>
+                                      </p:to>
+                                    </p:set>
+                                    <p:animEffect transition="in" filter="fade">
+                                      <p:cBhvr>
+                                        <p:cTn id="7" dur="500"/>
+                                        <p:tgtEl>
+                                          <p:spTgt spid="3">
+                                            <p:txEl>
+                                              <p:pRg st="0" end="0"/>
+                                            </p:txEl>
+                                          </p:spTgt>
+                                        </p:tgtEl>
+                                      </p:cBhvr>
+                                    </p:animEffect>
+                                  </p:childTnLst>
+                                </p:cTn>
+                              </p:par>
+                            </p:childTnLst>
+                          </p:cTn>
+                        </p:par>
+                      </p:childTnLst>
+                    </p:cTn>
+                  </p:par>
+                  <p:par>
+                    <p:cTn id="8" fill="hold">
+                      <p:stCondLst>
+                        <p:cond delay="indefinite"/>
+                      </p:stCondLst>
+                      <p:childTnLst>
+                        <p:par>
+                          <p:cTn id="9" fill="hold">
+                            <p:stCondLst>
+                              <p:cond delay="0"/>
+                            </p:stCondLst>
+                            <p:childTnLst>
+                              <p:par>
+                                <p:cTn id="10" presetID="10" presetClass="entr" presetSubtype="0" fill="hold" grpId="0" nodeType="clickEffect">
+                                  <p:stCondLst>
+                                    <p:cond delay="0"/>
+                                  </p:stCondLst>
+                                  <p:childTnLst>
+                                    <p:set>
+                                      <p:cBhvr>
+                                        <p:cTn id="11" dur="1" fill="hold">
+                                          <p:stCondLst>
+                                            <p:cond delay="0"/>
+                                          </p:stCondLst>
+                                        </p:cTn>
+                                        <p:tgtEl>
+                                          <p:spTgt spid="3">
+                                            <p:txEl>
+                                              <p:pRg st="2" end="2"/>
+                                            </p:txEl>
+                                          </p:spTgt>
+                                        </p:tgtEl>
+                                        <p:attrNameLst>
+                                          <p:attrName>style.visibility</p:attrName>
+                                        </p:attrNameLst>
+                                      </p:cBhvr>
+                                      <p:to>
+                                        <p:strVal val="visible"/>
+                                      </p:to>
+                                    </p:set>
+                                    <p:animEffect transition="in" filter="fade">
+                                      <p:cBhvr>
+                                        <p:cTn id="12" dur="500"/>
+                                        <p:tgtEl>
+                                          <p:spTgt spid="3">
+                                            <p:txEl>
+                                              <p:pRg st="2" end="2"/>
+                                            </p:txEl>
+                                          </p:spTgt>
+                                        </p:tgtEl>
+                                      </p:cBhvr>
+                                    </p:animEffect>
+                                  </p:childTnLst>
+                                </p:cTn>
+                              </p:par>
+                            </p:childTnLst>
+                          </p:cTn>
+                        </p:par>
+                      </p:childTnLst>
+                    </p:cTn>
+                  </p:par>
+                </p:childTnLst>
+              </p:cTn>
+              <p:prevCondLst>
+                <p:cond evt="onPrev" delay="0">
+                  <p:tgtEl>
+                    <p:sldTgt/>
+                  </p:tgtEl>
+                </p:cond>
+              </p:prevCondLst>
+              <p:nextCondLst>
+                <p:cond evt="onNext" delay="0">
+                  <p:tgtEl>
+                    <p:sldTgt/>
+                  </p:tgtEl>
+                </p:cond>
+              </p:nextCondLst>
+            </p:seq>
+          </p:childTnLst>
+        </p:cTn>
+      </p:par>
+    </p:tnLst>
+    <p:bldLst>
+      <p:bldP spid="3" grpId="0" build="p"/>
+    </p:bldLst>
+  </p:timing>
 </p:sld>
 </file>
 
@@ -9550,22 +13248,16 @@
           <a:p>
             <a:r>
               <a:rPr lang="de-DE" dirty="0"/>
-              <a:t>Wer fand nun den Sinus und Kosinus?</a:t>
-            </a:r>
-            <a:br>
-              <a:rPr lang="de-DE" dirty="0"/>
-            </a:br>
-            <a:r>
-              <a:rPr lang="de-DE" sz="2800" dirty="0">
-                <a:solidFill>
-                  <a:schemeClr val="bg2">
-                    <a:lumMod val="60000"/>
-                    <a:lumOff val="40000"/>
-                  </a:schemeClr>
-                </a:solidFill>
-              </a:rPr>
-              <a:t>Geometrische Sehnen – Die Inder</a:t>
-            </a:r>
+              <a:t>Sinustrigonometrie der Inder</a:t>
+            </a:r>
+            <a:endParaRPr lang="de-DE" sz="2800" dirty="0">
+              <a:solidFill>
+                <a:schemeClr val="bg2">
+                  <a:lumMod val="60000"/>
+                  <a:lumOff val="40000"/>
+                </a:schemeClr>
+              </a:solidFill>
+            </a:endParaRPr>
           </a:p>
         </p:txBody>
       </p:sp>
@@ -9593,14 +13285,22 @@
           <a:p>
             <a:r>
               <a:rPr lang="de-DE" dirty="0"/>
-              <a:t>Ungefähr zur selben Zeit entwickelten die Inder</a:t>
+              <a:t>Sehnengeometrie: </a:t>
             </a:r>
             <a:br>
               <a:rPr lang="de-DE" dirty="0"/>
             </a:br>
             <a:r>
               <a:rPr lang="de-DE" dirty="0"/>
-              <a:t>eine Umgestaltung der Sehnengeometrie zur Sinustrigonometrie</a:t>
+              <a:t>AC = </a:t>
+            </a:r>
+            <a:r>
+              <a:rPr lang="de-DE" dirty="0" err="1"/>
+              <a:t>ch</a:t>
+            </a:r>
+            <a:r>
+              <a:rPr lang="de-DE" dirty="0"/>
+              <a:t> 2a, AB = sin a</a:t>
             </a:r>
           </a:p>
           <a:p>
@@ -9609,28 +13309,580 @@
           <a:p>
             <a:r>
               <a:rPr lang="de-DE" dirty="0"/>
-              <a:t>Manuskripte zeigen den verwendeten Sinus im 4. / 5. Jahrhundert</a:t>
+              <a:t>Kein geschlossenes System</a:t>
             </a:r>
             <a:br>
               <a:rPr lang="de-DE" dirty="0"/>
             </a:br>
             <a:r>
               <a:rPr lang="de-DE" dirty="0"/>
-              <a:t> </a:t>
-            </a:r>
-          </a:p>
-        </p:txBody>
-      </p:sp>
+              <a:t>(Wurde mehr für Einzelfälle verwendet)</a:t>
+            </a:r>
+          </a:p>
+        </p:txBody>
+      </p:sp>
+      <p:pic>
+        <p:nvPicPr>
+          <p:cNvPr id="4" name="Grafik 3"/>
+          <p:cNvPicPr>
+            <a:picLocks noChangeAspect="1"/>
+          </p:cNvPicPr>
+          <p:nvPr/>
+        </p:nvPicPr>
+        <p:blipFill>
+          <a:blip r:embed="rId3"/>
+          <a:stretch>
+            <a:fillRect/>
+          </a:stretch>
+        </p:blipFill>
+        <p:spPr>
+          <a:xfrm>
+            <a:off x="7293205" y="2052918"/>
+            <a:ext cx="4016478" cy="3707518"/>
+          </a:xfrm>
+          <a:prstGeom prst="rect">
+            <a:avLst/>
+          </a:prstGeom>
+        </p:spPr>
+      </p:pic>
+      <p:pic>
+        <p:nvPicPr>
+          <p:cNvPr id="5" name="Grafik 4"/>
+          <p:cNvPicPr>
+            <a:picLocks noChangeAspect="1"/>
+          </p:cNvPicPr>
+          <p:nvPr/>
+        </p:nvPicPr>
+        <p:blipFill>
+          <a:blip r:embed="rId4"/>
+          <a:stretch>
+            <a:fillRect/>
+          </a:stretch>
+        </p:blipFill>
+        <p:spPr>
+          <a:xfrm>
+            <a:off x="7293205" y="2052918"/>
+            <a:ext cx="4016478" cy="3707518"/>
+          </a:xfrm>
+          <a:prstGeom prst="rect">
+            <a:avLst/>
+          </a:prstGeom>
+        </p:spPr>
+      </p:pic>
+      <p:pic>
+        <p:nvPicPr>
+          <p:cNvPr id="7" name="Grafik 6"/>
+          <p:cNvPicPr>
+            <a:picLocks noChangeAspect="1"/>
+          </p:cNvPicPr>
+          <p:nvPr/>
+        </p:nvPicPr>
+        <p:blipFill>
+          <a:blip r:embed="rId5"/>
+          <a:stretch>
+            <a:fillRect/>
+          </a:stretch>
+        </p:blipFill>
+        <p:spPr>
+          <a:xfrm>
+            <a:off x="7293205" y="2052918"/>
+            <a:ext cx="4016478" cy="3707518"/>
+          </a:xfrm>
+          <a:prstGeom prst="rect">
+            <a:avLst/>
+          </a:prstGeom>
+        </p:spPr>
+      </p:pic>
+      <p:pic>
+        <p:nvPicPr>
+          <p:cNvPr id="8" name="Grafik 7"/>
+          <p:cNvPicPr>
+            <a:picLocks noChangeAspect="1"/>
+          </p:cNvPicPr>
+          <p:nvPr/>
+        </p:nvPicPr>
+        <p:blipFill>
+          <a:blip r:embed="rId6"/>
+          <a:stretch>
+            <a:fillRect/>
+          </a:stretch>
+        </p:blipFill>
+        <p:spPr>
+          <a:xfrm>
+            <a:off x="7293205" y="2052918"/>
+            <a:ext cx="4016478" cy="3707518"/>
+          </a:xfrm>
+          <a:prstGeom prst="rect">
+            <a:avLst/>
+          </a:prstGeom>
+        </p:spPr>
+      </p:pic>
+      <p:pic>
+        <p:nvPicPr>
+          <p:cNvPr id="9" name="Grafik 8"/>
+          <p:cNvPicPr>
+            <a:picLocks noChangeAspect="1"/>
+          </p:cNvPicPr>
+          <p:nvPr/>
+        </p:nvPicPr>
+        <p:blipFill>
+          <a:blip r:embed="rId7"/>
+          <a:stretch>
+            <a:fillRect/>
+          </a:stretch>
+        </p:blipFill>
+        <p:spPr>
+          <a:xfrm>
+            <a:off x="7293205" y="2052918"/>
+            <a:ext cx="4016478" cy="3707518"/>
+          </a:xfrm>
+          <a:prstGeom prst="rect">
+            <a:avLst/>
+          </a:prstGeom>
+        </p:spPr>
+      </p:pic>
     </p:spTree>
     <p:extLst>
       <p:ext uri="{BB962C8B-B14F-4D97-AF65-F5344CB8AC3E}">
-        <p14:creationId xmlns:p14="http://schemas.microsoft.com/office/powerpoint/2010/main" val="1553912538"/>
+        <p14:creationId xmlns:p14="http://schemas.microsoft.com/office/powerpoint/2010/main" val="2148536838"/>
       </p:ext>
     </p:extLst>
   </p:cSld>
   <p:clrMapOvr>
     <a:masterClrMapping/>
   </p:clrMapOvr>
+  <mc:AlternateContent xmlns:mc="http://schemas.openxmlformats.org/markup-compatibility/2006">
+    <mc:Choice xmlns:p14="http://schemas.microsoft.com/office/powerpoint/2010/main" Requires="p14">
+      <p:transition spd="med" p14:dur="700">
+        <p:fade/>
+      </p:transition>
+    </mc:Choice>
+    <mc:Fallback>
+      <p:transition spd="med">
+        <p:fade/>
+      </p:transition>
+    </mc:Fallback>
+  </mc:AlternateContent>
+  <p:timing>
+    <p:tnLst>
+      <p:par>
+        <p:cTn id="1" dur="indefinite" restart="never" nodeType="tmRoot">
+          <p:childTnLst>
+            <p:seq concurrent="1" nextAc="seek">
+              <p:cTn id="2" dur="indefinite" nodeType="mainSeq">
+                <p:childTnLst>
+                  <p:par>
+                    <p:cTn id="3" fill="hold">
+                      <p:stCondLst>
+                        <p:cond delay="indefinite"/>
+                      </p:stCondLst>
+                      <p:childTnLst>
+                        <p:par>
+                          <p:cTn id="4" fill="hold">
+                            <p:stCondLst>
+                              <p:cond delay="0"/>
+                            </p:stCondLst>
+                            <p:childTnLst>
+                              <p:par>
+                                <p:cTn id="5" presetID="10" presetClass="entr" presetSubtype="0" fill="hold" nodeType="clickEffect">
+                                  <p:stCondLst>
+                                    <p:cond delay="0"/>
+                                  </p:stCondLst>
+                                  <p:childTnLst>
+                                    <p:set>
+                                      <p:cBhvr>
+                                        <p:cTn id="6" dur="1" fill="hold">
+                                          <p:stCondLst>
+                                            <p:cond delay="0"/>
+                                          </p:stCondLst>
+                                        </p:cTn>
+                                        <p:tgtEl>
+                                          <p:spTgt spid="4"/>
+                                        </p:tgtEl>
+                                        <p:attrNameLst>
+                                          <p:attrName>style.visibility</p:attrName>
+                                        </p:attrNameLst>
+                                      </p:cBhvr>
+                                      <p:to>
+                                        <p:strVal val="visible"/>
+                                      </p:to>
+                                    </p:set>
+                                    <p:animEffect transition="in" filter="fade">
+                                      <p:cBhvr>
+                                        <p:cTn id="7" dur="500"/>
+                                        <p:tgtEl>
+                                          <p:spTgt spid="4"/>
+                                        </p:tgtEl>
+                                      </p:cBhvr>
+                                    </p:animEffect>
+                                  </p:childTnLst>
+                                </p:cTn>
+                              </p:par>
+                            </p:childTnLst>
+                          </p:cTn>
+                        </p:par>
+                      </p:childTnLst>
+                    </p:cTn>
+                  </p:par>
+                  <p:par>
+                    <p:cTn id="8" fill="hold">
+                      <p:stCondLst>
+                        <p:cond delay="indefinite"/>
+                      </p:stCondLst>
+                      <p:childTnLst>
+                        <p:par>
+                          <p:cTn id="9" fill="hold">
+                            <p:stCondLst>
+                              <p:cond delay="0"/>
+                            </p:stCondLst>
+                            <p:childTnLst>
+                              <p:par>
+                                <p:cTn id="10" presetID="10" presetClass="entr" presetSubtype="0" fill="hold" grpId="0" nodeType="clickEffect">
+                                  <p:stCondLst>
+                                    <p:cond delay="0"/>
+                                  </p:stCondLst>
+                                  <p:childTnLst>
+                                    <p:set>
+                                      <p:cBhvr>
+                                        <p:cTn id="11" dur="1" fill="hold">
+                                          <p:stCondLst>
+                                            <p:cond delay="0"/>
+                                          </p:stCondLst>
+                                        </p:cTn>
+                                        <p:tgtEl>
+                                          <p:spTgt spid="3">
+                                            <p:txEl>
+                                              <p:pRg st="0" end="0"/>
+                                            </p:txEl>
+                                          </p:spTgt>
+                                        </p:tgtEl>
+                                        <p:attrNameLst>
+                                          <p:attrName>style.visibility</p:attrName>
+                                        </p:attrNameLst>
+                                      </p:cBhvr>
+                                      <p:to>
+                                        <p:strVal val="visible"/>
+                                      </p:to>
+                                    </p:set>
+                                    <p:animEffect transition="in" filter="fade">
+                                      <p:cBhvr>
+                                        <p:cTn id="12" dur="500"/>
+                                        <p:tgtEl>
+                                          <p:spTgt spid="3">
+                                            <p:txEl>
+                                              <p:pRg st="0" end="0"/>
+                                            </p:txEl>
+                                          </p:spTgt>
+                                        </p:tgtEl>
+                                      </p:cBhvr>
+                                    </p:animEffect>
+                                  </p:childTnLst>
+                                </p:cTn>
+                              </p:par>
+                            </p:childTnLst>
+                          </p:cTn>
+                        </p:par>
+                      </p:childTnLst>
+                    </p:cTn>
+                  </p:par>
+                  <p:par>
+                    <p:cTn id="13" fill="hold">
+                      <p:stCondLst>
+                        <p:cond delay="indefinite"/>
+                      </p:stCondLst>
+                      <p:childTnLst>
+                        <p:par>
+                          <p:cTn id="14" fill="hold">
+                            <p:stCondLst>
+                              <p:cond delay="0"/>
+                            </p:stCondLst>
+                            <p:childTnLst>
+                              <p:par>
+                                <p:cTn id="15" presetID="10" presetClass="entr" presetSubtype="0" fill="hold" nodeType="clickEffect">
+                                  <p:stCondLst>
+                                    <p:cond delay="0"/>
+                                  </p:stCondLst>
+                                  <p:childTnLst>
+                                    <p:set>
+                                      <p:cBhvr>
+                                        <p:cTn id="16" dur="1" fill="hold">
+                                          <p:stCondLst>
+                                            <p:cond delay="0"/>
+                                          </p:stCondLst>
+                                        </p:cTn>
+                                        <p:tgtEl>
+                                          <p:spTgt spid="5"/>
+                                        </p:tgtEl>
+                                        <p:attrNameLst>
+                                          <p:attrName>style.visibility</p:attrName>
+                                        </p:attrNameLst>
+                                      </p:cBhvr>
+                                      <p:to>
+                                        <p:strVal val="visible"/>
+                                      </p:to>
+                                    </p:set>
+                                    <p:animEffect transition="in" filter="fade">
+                                      <p:cBhvr>
+                                        <p:cTn id="17" dur="500"/>
+                                        <p:tgtEl>
+                                          <p:spTgt spid="5"/>
+                                        </p:tgtEl>
+                                      </p:cBhvr>
+                                    </p:animEffect>
+                                  </p:childTnLst>
+                                </p:cTn>
+                              </p:par>
+                            </p:childTnLst>
+                          </p:cTn>
+                        </p:par>
+                      </p:childTnLst>
+                    </p:cTn>
+                  </p:par>
+                  <p:par>
+                    <p:cTn id="18" fill="hold">
+                      <p:stCondLst>
+                        <p:cond delay="indefinite"/>
+                      </p:stCondLst>
+                      <p:childTnLst>
+                        <p:par>
+                          <p:cTn id="19" fill="hold">
+                            <p:stCondLst>
+                              <p:cond delay="0"/>
+                            </p:stCondLst>
+                            <p:childTnLst>
+                              <p:par>
+                                <p:cTn id="20" presetID="10" presetClass="entr" presetSubtype="0" fill="hold" nodeType="clickEffect">
+                                  <p:stCondLst>
+                                    <p:cond delay="0"/>
+                                  </p:stCondLst>
+                                  <p:childTnLst>
+                                    <p:set>
+                                      <p:cBhvr>
+                                        <p:cTn id="21" dur="1" fill="hold">
+                                          <p:stCondLst>
+                                            <p:cond delay="0"/>
+                                          </p:stCondLst>
+                                        </p:cTn>
+                                        <p:tgtEl>
+                                          <p:spTgt spid="7"/>
+                                        </p:tgtEl>
+                                        <p:attrNameLst>
+                                          <p:attrName>style.visibility</p:attrName>
+                                        </p:attrNameLst>
+                                      </p:cBhvr>
+                                      <p:to>
+                                        <p:strVal val="visible"/>
+                                      </p:to>
+                                    </p:set>
+                                    <p:animEffect transition="in" filter="fade">
+                                      <p:cBhvr>
+                                        <p:cTn id="22" dur="500"/>
+                                        <p:tgtEl>
+                                          <p:spTgt spid="7"/>
+                                        </p:tgtEl>
+                                      </p:cBhvr>
+                                    </p:animEffect>
+                                  </p:childTnLst>
+                                </p:cTn>
+                              </p:par>
+                            </p:childTnLst>
+                          </p:cTn>
+                        </p:par>
+                      </p:childTnLst>
+                    </p:cTn>
+                  </p:par>
+                  <p:par>
+                    <p:cTn id="23" fill="hold">
+                      <p:stCondLst>
+                        <p:cond delay="indefinite"/>
+                      </p:stCondLst>
+                      <p:childTnLst>
+                        <p:par>
+                          <p:cTn id="24" fill="hold">
+                            <p:stCondLst>
+                              <p:cond delay="0"/>
+                            </p:stCondLst>
+                            <p:childTnLst>
+                              <p:par>
+                                <p:cTn id="25" presetID="10" presetClass="entr" presetSubtype="0" fill="hold" nodeType="clickEffect">
+                                  <p:stCondLst>
+                                    <p:cond delay="0"/>
+                                  </p:stCondLst>
+                                  <p:childTnLst>
+                                    <p:set>
+                                      <p:cBhvr>
+                                        <p:cTn id="26" dur="1" fill="hold">
+                                          <p:stCondLst>
+                                            <p:cond delay="0"/>
+                                          </p:stCondLst>
+                                        </p:cTn>
+                                        <p:tgtEl>
+                                          <p:spTgt spid="8"/>
+                                        </p:tgtEl>
+                                        <p:attrNameLst>
+                                          <p:attrName>style.visibility</p:attrName>
+                                        </p:attrNameLst>
+                                      </p:cBhvr>
+                                      <p:to>
+                                        <p:strVal val="visible"/>
+                                      </p:to>
+                                    </p:set>
+                                    <p:animEffect transition="in" filter="fade">
+                                      <p:cBhvr>
+                                        <p:cTn id="27" dur="500"/>
+                                        <p:tgtEl>
+                                          <p:spTgt spid="8"/>
+                                        </p:tgtEl>
+                                      </p:cBhvr>
+                                    </p:animEffect>
+                                  </p:childTnLst>
+                                </p:cTn>
+                              </p:par>
+                            </p:childTnLst>
+                          </p:cTn>
+                        </p:par>
+                      </p:childTnLst>
+                    </p:cTn>
+                  </p:par>
+                  <p:par>
+                    <p:cTn id="28" fill="hold">
+                      <p:stCondLst>
+                        <p:cond delay="indefinite"/>
+                      </p:stCondLst>
+                      <p:childTnLst>
+                        <p:par>
+                          <p:cTn id="29" fill="hold">
+                            <p:stCondLst>
+                              <p:cond delay="0"/>
+                            </p:stCondLst>
+                            <p:childTnLst>
+                              <p:par>
+                                <p:cTn id="30" presetID="10" presetClass="entr" presetSubtype="0" fill="hold" nodeType="clickEffect">
+                                  <p:stCondLst>
+                                    <p:cond delay="0"/>
+                                  </p:stCondLst>
+                                  <p:childTnLst>
+                                    <p:set>
+                                      <p:cBhvr>
+                                        <p:cTn id="31" dur="1" fill="hold">
+                                          <p:stCondLst>
+                                            <p:cond delay="0"/>
+                                          </p:stCondLst>
+                                        </p:cTn>
+                                        <p:tgtEl>
+                                          <p:spTgt spid="9"/>
+                                        </p:tgtEl>
+                                        <p:attrNameLst>
+                                          <p:attrName>style.visibility</p:attrName>
+                                        </p:attrNameLst>
+                                      </p:cBhvr>
+                                      <p:to>
+                                        <p:strVal val="visible"/>
+                                      </p:to>
+                                    </p:set>
+                                    <p:animEffect transition="in" filter="fade">
+                                      <p:cBhvr>
+                                        <p:cTn id="32" dur="500"/>
+                                        <p:tgtEl>
+                                          <p:spTgt spid="9"/>
+                                        </p:tgtEl>
+                                      </p:cBhvr>
+                                    </p:animEffect>
+                                  </p:childTnLst>
+                                </p:cTn>
+                              </p:par>
+                            </p:childTnLst>
+                          </p:cTn>
+                        </p:par>
+                      </p:childTnLst>
+                    </p:cTn>
+                  </p:par>
+                  <p:par>
+                    <p:cTn id="33" fill="hold">
+                      <p:stCondLst>
+                        <p:cond delay="indefinite"/>
+                      </p:stCondLst>
+                      <p:childTnLst>
+                        <p:par>
+                          <p:cTn id="34" fill="hold">
+                            <p:stCondLst>
+                              <p:cond delay="0"/>
+                            </p:stCondLst>
+                            <p:childTnLst>
+                              <p:par>
+                                <p:cTn id="35" presetID="10" presetClass="entr" presetSubtype="0" fill="hold" grpId="0" nodeType="clickEffect">
+                                  <p:stCondLst>
+                                    <p:cond delay="0"/>
+                                  </p:stCondLst>
+                                  <p:childTnLst>
+                                    <p:set>
+                                      <p:cBhvr>
+                                        <p:cTn id="36" dur="1" fill="hold">
+                                          <p:stCondLst>
+                                            <p:cond delay="0"/>
+                                          </p:stCondLst>
+                                        </p:cTn>
+                                        <p:tgtEl>
+                                          <p:spTgt spid="3">
+                                            <p:txEl>
+                                              <p:pRg st="2" end="2"/>
+                                            </p:txEl>
+                                          </p:spTgt>
+                                        </p:tgtEl>
+                                        <p:attrNameLst>
+                                          <p:attrName>style.visibility</p:attrName>
+                                        </p:attrNameLst>
+                                      </p:cBhvr>
+                                      <p:to>
+                                        <p:strVal val="visible"/>
+                                      </p:to>
+                                    </p:set>
+                                    <p:animEffect transition="in" filter="fade">
+                                      <p:cBhvr>
+                                        <p:cTn id="37" dur="500"/>
+                                        <p:tgtEl>
+                                          <p:spTgt spid="3">
+                                            <p:txEl>
+                                              <p:pRg st="2" end="2"/>
+                                            </p:txEl>
+                                          </p:spTgt>
+                                        </p:tgtEl>
+                                      </p:cBhvr>
+                                    </p:animEffect>
+                                  </p:childTnLst>
+                                </p:cTn>
+                              </p:par>
+                            </p:childTnLst>
+                          </p:cTn>
+                        </p:par>
+                      </p:childTnLst>
+                    </p:cTn>
+                  </p:par>
+                </p:childTnLst>
+              </p:cTn>
+              <p:prevCondLst>
+                <p:cond evt="onPrev" delay="0">
+                  <p:tgtEl>
+                    <p:sldTgt/>
+                  </p:tgtEl>
+                </p:cond>
+              </p:prevCondLst>
+              <p:nextCondLst>
+                <p:cond evt="onNext" delay="0">
+                  <p:tgtEl>
+                    <p:sldTgt/>
+                  </p:tgtEl>
+                </p:cond>
+              </p:nextCondLst>
+            </p:seq>
+          </p:childTnLst>
+        </p:cTn>
+      </p:par>
+    </p:tnLst>
+    <p:bldLst>
+      <p:bldP spid="3" grpId="0" uiExpand="1" build="p"/>
+    </p:bldLst>
+  </p:timing>
 </p:sld>
 </file>
 
